--- a/Deliverables/FinalPresentation.pptx
+++ b/Deliverables/FinalPresentation.pptx
@@ -18,23 +18,24 @@
     <p:sldId id="263" r:id="rId13"/>
     <p:sldId id="264" r:id="rId14"/>
     <p:sldId id="265" r:id="rId15"/>
+    <p:sldId id="266" r:id="rId16"/>
   </p:sldIdLst>
   <p:sldSz cy="5143500" cx="9144000"/>
   <p:notesSz cx="6858000" cy="9144000"/>
   <p:embeddedFontLst>
     <p:embeddedFont>
       <p:font typeface="Merriweather Light"/>
-      <p:regular r:id="rId16"/>
-      <p:bold r:id="rId17"/>
-      <p:italic r:id="rId18"/>
-      <p:boldItalic r:id="rId19"/>
+      <p:regular r:id="rId17"/>
+      <p:bold r:id="rId18"/>
+      <p:italic r:id="rId19"/>
+      <p:boldItalic r:id="rId20"/>
     </p:embeddedFont>
     <p:embeddedFont>
       <p:font typeface="Merriweather"/>
-      <p:regular r:id="rId20"/>
-      <p:bold r:id="rId21"/>
-      <p:italic r:id="rId22"/>
-      <p:boldItalic r:id="rId23"/>
+      <p:regular r:id="rId21"/>
+      <p:bold r:id="rId22"/>
+      <p:italic r:id="rId23"/>
+      <p:boldItalic r:id="rId24"/>
     </p:embeddedFont>
   </p:embeddedFontLst>
   <p:defaultTextStyle>
@@ -815,7 +816,7 @@
   <p:cSld>
     <p:spTree>
       <p:nvGrpSpPr>
-        <p:cNvPr id="104" name="Shape 104"/>
+        <p:cNvPr id="105" name="Shape 105"/>
         <p:cNvGrpSpPr/>
         <p:nvPr/>
       </p:nvGrpSpPr>
@@ -829,7 +830,7 @@
       </p:grpSpPr>
       <p:sp>
         <p:nvSpPr>
-          <p:cNvPr id="105" name="Google Shape;105;gadd0b90959_1_47:notes"/>
+          <p:cNvPr id="106" name="Google Shape;106;gadd0b90959_1_38:notes"/>
           <p:cNvSpPr/>
           <p:nvPr>
             <p:ph idx="2" type="sldImg"/>
@@ -864,7 +865,106 @@
       </p:sp>
       <p:sp>
         <p:nvSpPr>
-          <p:cNvPr id="106" name="Google Shape;106;gadd0b90959_1_47:notes"/>
+          <p:cNvPr id="107" name="Google Shape;107;gadd0b90959_1_38:notes"/>
+          <p:cNvSpPr txBox="1"/>
+          <p:nvPr>
+            <p:ph idx="1" type="body"/>
+          </p:nvPr>
+        </p:nvSpPr>
+        <p:spPr>
+          <a:xfrm>
+            <a:off x="685800" y="4343400"/>
+            <a:ext cx="5486400" cy="4114800"/>
+          </a:xfrm>
+          <a:prstGeom prst="rect">
+            <a:avLst/>
+          </a:prstGeom>
+        </p:spPr>
+        <p:txBody>
+          <a:bodyPr anchorCtr="0" anchor="t" bIns="91425" lIns="91425" spcFirstLastPara="1" rIns="91425" wrap="square" tIns="91425">
+            <a:noAutofit/>
+          </a:bodyPr>
+          <a:lstStyle/>
+          <a:p>
+            <a:pPr indent="0" lvl="0" marL="0" rtl="0" algn="l">
+              <a:spcBef>
+                <a:spcPts val="0"/>
+              </a:spcBef>
+              <a:spcAft>
+                <a:spcPts val="0"/>
+              </a:spcAft>
+              <a:buNone/>
+            </a:pPr>
+            <a:r>
+              <a:t/>
+            </a:r>
+            <a:endParaRPr/>
+          </a:p>
+        </p:txBody>
+      </p:sp>
+    </p:spTree>
+  </p:cSld>
+  <p:clrMapOvr>
+    <a:masterClrMapping/>
+  </p:clrMapOvr>
+</p:notes>
+</file>
+
+<file path=ppt/notesSlides/notesSlide11.xml><?xml version="1.0" encoding="utf-8"?>
+<p:notes xmlns:a="http://schemas.openxmlformats.org/drawingml/2006/main" xmlns:r="http://schemas.openxmlformats.org/officeDocument/2006/relationships" xmlns:mc="http://schemas.openxmlformats.org/markup-compatibility/2006" xmlns:mv="urn:schemas-microsoft-com:mac:vml" xmlns:p="http://schemas.openxmlformats.org/presentationml/2006/main" xmlns:c="http://schemas.openxmlformats.org/drawingml/2006/chart" xmlns:dgm="http://schemas.openxmlformats.org/drawingml/2006/diagram" xmlns:o="urn:schemas-microsoft-com:office:office" xmlns:v="urn:schemas-microsoft-com:vml" xmlns:pvml="urn:schemas-microsoft-com:office:powerpoint" xmlns:com="http://schemas.openxmlformats.org/drawingml/2006/compatibility" xmlns:p14="http://schemas.microsoft.com/office/powerpoint/2010/main" xmlns:p15="http://schemas.microsoft.com/office/powerpoint/2012/main" xmlns:ahyp="http://schemas.microsoft.com/office/drawing/2018/hyperlinkcolor" showMasterPhAnim="0" showMasterSp="0">
+  <p:cSld>
+    <p:spTree>
+      <p:nvGrpSpPr>
+        <p:cNvPr id="110" name="Shape 110"/>
+        <p:cNvGrpSpPr/>
+        <p:nvPr/>
+      </p:nvGrpSpPr>
+      <p:grpSpPr>
+        <a:xfrm>
+          <a:off x="0" y="0"/>
+          <a:ext cx="0" cy="0"/>
+          <a:chOff x="0" y="0"/>
+          <a:chExt cx="0" cy="0"/>
+        </a:xfrm>
+      </p:grpSpPr>
+      <p:sp>
+        <p:nvSpPr>
+          <p:cNvPr id="111" name="Google Shape;111;gadd0b90959_1_47:notes"/>
+          <p:cNvSpPr/>
+          <p:nvPr>
+            <p:ph idx="2" type="sldImg"/>
+          </p:nvPr>
+        </p:nvSpPr>
+        <p:spPr>
+          <a:xfrm>
+            <a:off x="381300" y="685800"/>
+            <a:ext cx="6096000" cy="3429000"/>
+          </a:xfrm>
+          <a:custGeom>
+            <a:rect b="b" l="l" r="r" t="t"/>
+            <a:pathLst>
+              <a:path extrusionOk="0" h="120000" w="120000">
+                <a:moveTo>
+                  <a:pt x="0" y="0"/>
+                </a:moveTo>
+                <a:lnTo>
+                  <a:pt x="120000" y="0"/>
+                </a:lnTo>
+                <a:lnTo>
+                  <a:pt x="120000" y="120000"/>
+                </a:lnTo>
+                <a:lnTo>
+                  <a:pt x="0" y="120000"/>
+                </a:lnTo>
+                <a:close/>
+              </a:path>
+            </a:pathLst>
+          </a:custGeom>
+        </p:spPr>
+      </p:sp>
+      <p:sp>
+        <p:nvSpPr>
+          <p:cNvPr id="112" name="Google Shape;112;gadd0b90959_1_47:notes"/>
           <p:cNvSpPr txBox="1"/>
           <p:nvPr>
             <p:ph idx="1" type="body"/>
@@ -1126,7 +1226,7 @@
       </p:grpSpPr>
       <p:sp>
         <p:nvSpPr>
-          <p:cNvPr id="69" name="Google Shape;69;gadd0b90959_1_16:notes"/>
+          <p:cNvPr id="69" name="Google Shape;69;gaddda18e7b_0_10:notes"/>
           <p:cNvSpPr/>
           <p:nvPr>
             <p:ph idx="2" type="sldImg"/>
@@ -1161,7 +1261,7 @@
       </p:sp>
       <p:sp>
         <p:nvSpPr>
-          <p:cNvPr id="70" name="Google Shape;70;gadd0b90959_1_16:notes"/>
+          <p:cNvPr id="70" name="Google Shape;70;gaddda18e7b_0_10:notes"/>
           <p:cNvSpPr txBox="1"/>
           <p:nvPr>
             <p:ph idx="1" type="body"/>
@@ -1211,7 +1311,7 @@
   <p:cSld>
     <p:spTree>
       <p:nvGrpSpPr>
-        <p:cNvPr id="75" name="Shape 75"/>
+        <p:cNvPr id="74" name="Shape 74"/>
         <p:cNvGrpSpPr/>
         <p:nvPr/>
       </p:nvGrpSpPr>
@@ -1225,7 +1325,7 @@
       </p:grpSpPr>
       <p:sp>
         <p:nvSpPr>
-          <p:cNvPr id="76" name="Google Shape;76;gadd0b90959_1_6:notes"/>
+          <p:cNvPr id="75" name="Google Shape;75;gadd0b90959_1_16:notes"/>
           <p:cNvSpPr/>
           <p:nvPr>
             <p:ph idx="2" type="sldImg"/>
@@ -1260,7 +1360,7 @@
       </p:sp>
       <p:sp>
         <p:nvSpPr>
-          <p:cNvPr id="77" name="Google Shape;77;gadd0b90959_1_6:notes"/>
+          <p:cNvPr id="76" name="Google Shape;76;gadd0b90959_1_16:notes"/>
           <p:cNvSpPr txBox="1"/>
           <p:nvPr>
             <p:ph idx="1" type="body"/>
@@ -1324,7 +1424,7 @@
       </p:grpSpPr>
       <p:sp>
         <p:nvSpPr>
-          <p:cNvPr id="82" name="Google Shape;82;gadd0b90959_1_11:notes"/>
+          <p:cNvPr id="82" name="Google Shape;82;gadd0b90959_1_6:notes"/>
           <p:cNvSpPr/>
           <p:nvPr>
             <p:ph idx="2" type="sldImg"/>
@@ -1359,7 +1459,7 @@
       </p:sp>
       <p:sp>
         <p:nvSpPr>
-          <p:cNvPr id="83" name="Google Shape;83;gadd0b90959_1_11:notes"/>
+          <p:cNvPr id="83" name="Google Shape;83;gadd0b90959_1_6:notes"/>
           <p:cNvSpPr txBox="1"/>
           <p:nvPr>
             <p:ph idx="1" type="body"/>
@@ -1423,7 +1523,7 @@
       </p:grpSpPr>
       <p:sp>
         <p:nvSpPr>
-          <p:cNvPr id="88" name="Google Shape;88;gadd0b90959_1_23:notes"/>
+          <p:cNvPr id="88" name="Google Shape;88;gadd0b90959_1_11:notes"/>
           <p:cNvSpPr/>
           <p:nvPr>
             <p:ph idx="2" type="sldImg"/>
@@ -1458,7 +1558,7 @@
       </p:sp>
       <p:sp>
         <p:nvSpPr>
-          <p:cNvPr id="89" name="Google Shape;89;gadd0b90959_1_23:notes"/>
+          <p:cNvPr id="89" name="Google Shape;89;gadd0b90959_1_11:notes"/>
           <p:cNvSpPr txBox="1"/>
           <p:nvPr>
             <p:ph idx="1" type="body"/>
@@ -1522,7 +1622,7 @@
       </p:grpSpPr>
       <p:sp>
         <p:nvSpPr>
-          <p:cNvPr id="94" name="Google Shape;94;gadd0b90959_1_28:notes"/>
+          <p:cNvPr id="94" name="Google Shape;94;gadd0b90959_1_23:notes"/>
           <p:cNvSpPr/>
           <p:nvPr>
             <p:ph idx="2" type="sldImg"/>
@@ -1557,7 +1657,7 @@
       </p:sp>
       <p:sp>
         <p:nvSpPr>
-          <p:cNvPr id="95" name="Google Shape;95;gadd0b90959_1_28:notes"/>
+          <p:cNvPr id="95" name="Google Shape;95;gadd0b90959_1_23:notes"/>
           <p:cNvSpPr txBox="1"/>
           <p:nvPr>
             <p:ph idx="1" type="body"/>
@@ -1621,7 +1721,7 @@
       </p:grpSpPr>
       <p:sp>
         <p:nvSpPr>
-          <p:cNvPr id="100" name="Google Shape;100;gadd0b90959_1_38:notes"/>
+          <p:cNvPr id="100" name="Google Shape;100;gadd0b90959_1_28:notes"/>
           <p:cNvSpPr/>
           <p:nvPr>
             <p:ph idx="2" type="sldImg"/>
@@ -1656,7 +1756,7 @@
       </p:sp>
       <p:sp>
         <p:nvSpPr>
-          <p:cNvPr id="101" name="Google Shape;101;gadd0b90959_1_38:notes"/>
+          <p:cNvPr id="101" name="Google Shape;101;gadd0b90959_1_28:notes"/>
           <p:cNvSpPr txBox="1"/>
           <p:nvPr>
             <p:ph idx="1" type="body"/>
@@ -6456,7 +6556,7 @@
   <p:cSld>
     <p:spTree>
       <p:nvGrpSpPr>
-        <p:cNvPr id="107" name="Shape 107"/>
+        <p:cNvPr id="108" name="Shape 108"/>
         <p:cNvGrpSpPr/>
         <p:nvPr/>
       </p:nvGrpSpPr>
@@ -6470,7 +6570,106 @@
       </p:grpSpPr>
       <p:sp>
         <p:nvSpPr>
-          <p:cNvPr id="108" name="Google Shape;108;p22"/>
+          <p:cNvPr id="109" name="Google Shape;109;p22"/>
+          <p:cNvSpPr txBox="1"/>
+          <p:nvPr>
+            <p:ph type="title"/>
+          </p:nvPr>
+        </p:nvSpPr>
+        <p:spPr>
+          <a:xfrm>
+            <a:off x="311700" y="2150850"/>
+            <a:ext cx="8520600" cy="841800"/>
+          </a:xfrm>
+          <a:prstGeom prst="rect">
+            <a:avLst/>
+          </a:prstGeom>
+        </p:spPr>
+        <p:txBody>
+          <a:bodyPr anchorCtr="0" anchor="ctr" bIns="91425" lIns="91425" spcFirstLastPara="1" rIns="91425" wrap="square" tIns="91425">
+            <a:noAutofit/>
+          </a:bodyPr>
+          <a:lstStyle/>
+          <a:p>
+            <a:pPr indent="0" lvl="0" marL="0" rtl="0" algn="ctr">
+              <a:spcBef>
+                <a:spcPts val="0"/>
+              </a:spcBef>
+              <a:spcAft>
+                <a:spcPts val="0"/>
+              </a:spcAft>
+              <a:buNone/>
+            </a:pPr>
+            <a:r>
+              <a:rPr lang="en" sz="2700" u="sng">
+                <a:solidFill>
+                  <a:schemeClr val="hlink"/>
+                </a:solidFill>
+                <a:latin typeface="Merriweather"/>
+                <a:ea typeface="Merriweather"/>
+                <a:cs typeface="Merriweather"/>
+                <a:sym typeface="Merriweather"/>
+                <a:hlinkClick r:id="rId3"/>
+              </a:rPr>
+              <a:t>https://dippowdernails101.000webhostapp.com/</a:t>
+            </a:r>
+            <a:endParaRPr sz="2700">
+              <a:latin typeface="Merriweather"/>
+              <a:ea typeface="Merriweather"/>
+              <a:cs typeface="Merriweather"/>
+              <a:sym typeface="Merriweather"/>
+            </a:endParaRPr>
+          </a:p>
+          <a:p>
+            <a:pPr indent="0" lvl="0" marL="0" rtl="0" algn="ctr">
+              <a:spcBef>
+                <a:spcPts val="0"/>
+              </a:spcBef>
+              <a:spcAft>
+                <a:spcPts val="0"/>
+              </a:spcAft>
+              <a:buNone/>
+            </a:pPr>
+            <a:r>
+              <a:t/>
+            </a:r>
+            <a:endParaRPr sz="2700">
+              <a:latin typeface="Merriweather"/>
+              <a:ea typeface="Merriweather"/>
+              <a:cs typeface="Merriweather"/>
+              <a:sym typeface="Merriweather"/>
+            </a:endParaRPr>
+          </a:p>
+        </p:txBody>
+      </p:sp>
+    </p:spTree>
+  </p:cSld>
+  <p:clrMapOvr>
+    <a:masterClrMapping/>
+  </p:clrMapOvr>
+</p:sld>
+</file>
+
+<file path=ppt/slides/slide11.xml><?xml version="1.0" encoding="utf-8"?>
+<p:sld xmlns:a="http://schemas.openxmlformats.org/drawingml/2006/main" xmlns:r="http://schemas.openxmlformats.org/officeDocument/2006/relationships" xmlns:mc="http://schemas.openxmlformats.org/markup-compatibility/2006" xmlns:mv="urn:schemas-microsoft-com:mac:vml" xmlns:p="http://schemas.openxmlformats.org/presentationml/2006/main" xmlns:c="http://schemas.openxmlformats.org/drawingml/2006/chart" xmlns:dgm="http://schemas.openxmlformats.org/drawingml/2006/diagram" xmlns:o="urn:schemas-microsoft-com:office:office" xmlns:v="urn:schemas-microsoft-com:vml" xmlns:pvml="urn:schemas-microsoft-com:office:powerpoint" xmlns:com="http://schemas.openxmlformats.org/drawingml/2006/compatibility" xmlns:p14="http://schemas.microsoft.com/office/powerpoint/2010/main" xmlns:p15="http://schemas.microsoft.com/office/powerpoint/2012/main" xmlns:ahyp="http://schemas.microsoft.com/office/drawing/2018/hyperlinkcolor">
+  <p:cSld>
+    <p:spTree>
+      <p:nvGrpSpPr>
+        <p:cNvPr id="113" name="Shape 113"/>
+        <p:cNvGrpSpPr/>
+        <p:nvPr/>
+      </p:nvGrpSpPr>
+      <p:grpSpPr>
+        <a:xfrm>
+          <a:off x="0" y="0"/>
+          <a:ext cx="0" cy="0"/>
+          <a:chOff x="0" y="0"/>
+          <a:chExt cx="0" cy="0"/>
+        </a:xfrm>
+      </p:grpSpPr>
+      <p:sp>
+        <p:nvSpPr>
+          <p:cNvPr id="114" name="Google Shape;114;p23"/>
           <p:cNvSpPr txBox="1"/>
           <p:nvPr>
             <p:ph type="title"/>
@@ -6573,16 +6772,41 @@
               <a:spcAft>
                 <a:spcPts val="0"/>
               </a:spcAft>
+              <a:buClr>
+                <a:schemeClr val="dk1"/>
+              </a:buClr>
+              <a:buSzPts val="1100"/>
+              <a:buFont typeface="Arial"/>
               <a:buNone/>
             </a:pPr>
             <a:r>
-              <a:rPr lang="en" sz="3100">
+              <a:rPr lang="en">
                 <a:latin typeface="Merriweather"/>
                 <a:ea typeface="Merriweather"/>
                 <a:cs typeface="Merriweather"/>
                 <a:sym typeface="Merriweather"/>
               </a:rPr>
-              <a:t>What is it?</a:t>
+              <a:t>Idea / Project Goals</a:t>
+            </a:r>
+            <a:endParaRPr>
+              <a:latin typeface="Merriweather"/>
+              <a:ea typeface="Merriweather"/>
+              <a:cs typeface="Merriweather"/>
+              <a:sym typeface="Merriweather"/>
+            </a:endParaRPr>
+          </a:p>
+          <a:p>
+            <a:pPr indent="0" lvl="0" marL="0" rtl="0" algn="l">
+              <a:spcBef>
+                <a:spcPts val="0"/>
+              </a:spcBef>
+              <a:spcAft>
+                <a:spcPts val="0"/>
+              </a:spcAft>
+              <a:buNone/>
+            </a:pPr>
+            <a:r>
+              <a:t/>
             </a:r>
             <a:endParaRPr sz="3100">
               <a:latin typeface="Merriweather"/>
@@ -6616,9 +6840,9 @@
           </a:bodyPr>
           <a:lstStyle/>
           <a:p>
-            <a:pPr indent="-355600" lvl="0" marL="457200" rtl="0" algn="l">
+            <a:pPr indent="-342900" lvl="0" marL="457200" rtl="0" algn="l">
               <a:lnSpc>
-                <a:spcPct val="200000"/>
+                <a:spcPct val="150000"/>
               </a:lnSpc>
               <a:spcBef>
                 <a:spcPts val="0"/>
@@ -6626,20 +6850,20 @@
               <a:spcAft>
                 <a:spcPts val="0"/>
               </a:spcAft>
-              <a:buSzPts val="2000"/>
+              <a:buSzPts val="1800"/>
               <a:buFont typeface="Merriweather Light"/>
               <a:buChar char="●"/>
             </a:pPr>
             <a:r>
-              <a:rPr lang="en" sz="2000">
+              <a:rPr lang="en">
                 <a:latin typeface="Merriweather Light"/>
                 <a:ea typeface="Merriweather Light"/>
                 <a:cs typeface="Merriweather Light"/>
                 <a:sym typeface="Merriweather Light"/>
               </a:rPr>
-              <a:t>all-in-one website for all things dip powder</a:t>
+              <a:t>Beginners Guide to Dip Powder</a:t>
             </a:r>
-            <a:endParaRPr sz="2000">
+            <a:endParaRPr>
               <a:latin typeface="Merriweather Light"/>
               <a:ea typeface="Merriweather Light"/>
               <a:cs typeface="Merriweather Light"/>
@@ -6647,9 +6871,9 @@
             </a:endParaRPr>
           </a:p>
           <a:p>
-            <a:pPr indent="-330200" lvl="1" marL="914400" rtl="0" algn="l">
+            <a:pPr indent="-342900" lvl="0" marL="457200" rtl="0" algn="l">
               <a:lnSpc>
-                <a:spcPct val="175000"/>
+                <a:spcPct val="150000"/>
               </a:lnSpc>
               <a:spcBef>
                 <a:spcPts val="0"/>
@@ -6657,20 +6881,20 @@
               <a:spcAft>
                 <a:spcPts val="0"/>
               </a:spcAft>
-              <a:buSzPts val="1600"/>
+              <a:buSzPts val="1800"/>
               <a:buFont typeface="Merriweather Light"/>
-              <a:buChar char="○"/>
+              <a:buChar char="●"/>
             </a:pPr>
             <a:r>
-              <a:rPr lang="en" sz="1600">
+              <a:rPr lang="en">
                 <a:latin typeface="Merriweather Light"/>
                 <a:ea typeface="Merriweather Light"/>
                 <a:cs typeface="Merriweather Light"/>
                 <a:sym typeface="Merriweather Light"/>
               </a:rPr>
-              <a:t>Directions</a:t>
+              <a:t>All things you will need to know</a:t>
             </a:r>
-            <a:endParaRPr sz="1600">
+            <a:endParaRPr>
               <a:latin typeface="Merriweather Light"/>
               <a:ea typeface="Merriweather Light"/>
               <a:cs typeface="Merriweather Light"/>
@@ -6678,9 +6902,9 @@
             </a:endParaRPr>
           </a:p>
           <a:p>
-            <a:pPr indent="-330200" lvl="1" marL="914400" rtl="0" algn="l">
+            <a:pPr indent="-342900" lvl="1" marL="914400" rtl="0" algn="l">
               <a:lnSpc>
-                <a:spcPct val="175000"/>
+                <a:spcPct val="150000"/>
               </a:lnSpc>
               <a:spcBef>
                 <a:spcPts val="0"/>
@@ -6688,113 +6912,20 @@
               <a:spcAft>
                 <a:spcPts val="0"/>
               </a:spcAft>
-              <a:buSzPts val="1600"/>
+              <a:buSzPts val="1800"/>
               <a:buFont typeface="Merriweather Light"/>
               <a:buChar char="○"/>
             </a:pPr>
             <a:r>
-              <a:rPr lang="en" sz="1600">
+              <a:rPr lang="en" sz="1800">
                 <a:latin typeface="Merriweather Light"/>
                 <a:ea typeface="Merriweather Light"/>
                 <a:cs typeface="Merriweather Light"/>
                 <a:sym typeface="Merriweather Light"/>
               </a:rPr>
-              <a:t>Tips &amp; Tricks</a:t>
+              <a:t>“All-In-One” Website</a:t>
             </a:r>
-            <a:endParaRPr sz="1600">
-              <a:latin typeface="Merriweather Light"/>
-              <a:ea typeface="Merriweather Light"/>
-              <a:cs typeface="Merriweather Light"/>
-              <a:sym typeface="Merriweather Light"/>
-            </a:endParaRPr>
-          </a:p>
-          <a:p>
-            <a:pPr indent="-330200" lvl="1" marL="914400" rtl="0" algn="l">
-              <a:lnSpc>
-                <a:spcPct val="175000"/>
-              </a:lnSpc>
-              <a:spcBef>
-                <a:spcPts val="0"/>
-              </a:spcBef>
-              <a:spcAft>
-                <a:spcPts val="0"/>
-              </a:spcAft>
-              <a:buSzPts val="1600"/>
-              <a:buFont typeface="Merriweather Light"/>
-              <a:buChar char="○"/>
-            </a:pPr>
-            <a:r>
-              <a:rPr lang="en" sz="1600">
-                <a:latin typeface="Merriweather Light"/>
-                <a:ea typeface="Merriweather Light"/>
-                <a:cs typeface="Merriweather Light"/>
-                <a:sym typeface="Merriweather Light"/>
-              </a:rPr>
-              <a:t>Photo Gallery for inspiration</a:t>
-            </a:r>
-            <a:endParaRPr sz="1600">
-              <a:latin typeface="Merriweather Light"/>
-              <a:ea typeface="Merriweather Light"/>
-              <a:cs typeface="Merriweather Light"/>
-              <a:sym typeface="Merriweather Light"/>
-            </a:endParaRPr>
-          </a:p>
-          <a:p>
-            <a:pPr indent="-330200" lvl="1" marL="914400" rtl="0" algn="l">
-              <a:lnSpc>
-                <a:spcPct val="175000"/>
-              </a:lnSpc>
-              <a:spcBef>
-                <a:spcPts val="0"/>
-              </a:spcBef>
-              <a:spcAft>
-                <a:spcPts val="0"/>
-              </a:spcAft>
-              <a:buSzPts val="1600"/>
-              <a:buFont typeface="Merriweather Light"/>
-              <a:buChar char="○"/>
-            </a:pPr>
-            <a:r>
-              <a:rPr lang="en" sz="1600">
-                <a:latin typeface="Merriweather Light"/>
-                <a:ea typeface="Merriweather Light"/>
-                <a:cs typeface="Merriweather Light"/>
-                <a:sym typeface="Merriweather Light"/>
-              </a:rPr>
-              <a:t>Helpful Links (to companies, useful products, or youtube video tutorials)</a:t>
-            </a:r>
-            <a:endParaRPr sz="1600">
-              <a:latin typeface="Merriweather Light"/>
-              <a:ea typeface="Merriweather Light"/>
-              <a:cs typeface="Merriweather Light"/>
-              <a:sym typeface="Merriweather Light"/>
-            </a:endParaRPr>
-          </a:p>
-          <a:p>
-            <a:pPr indent="-330200" lvl="1" marL="914400" rtl="0" algn="l">
-              <a:lnSpc>
-                <a:spcPct val="175000"/>
-              </a:lnSpc>
-              <a:spcBef>
-                <a:spcPts val="0"/>
-              </a:spcBef>
-              <a:spcAft>
-                <a:spcPts val="0"/>
-              </a:spcAft>
-              <a:buSzPts val="1600"/>
-              <a:buFont typeface="Merriweather Light"/>
-              <a:buChar char="○"/>
-            </a:pPr>
-            <a:r>
-              <a:rPr lang="en" sz="1600">
-                <a:latin typeface="Merriweather Light"/>
-                <a:ea typeface="Merriweather Light"/>
-                <a:cs typeface="Merriweather Light"/>
-                <a:sym typeface="Merriweather Light"/>
-              </a:rPr>
-              <a:t>DIY Section</a:t>
-            </a:r>
-            <a:endParaRPr sz="1600">
+            <a:endParaRPr sz="1800">
               <a:latin typeface="Merriweather Light"/>
               <a:ea typeface="Merriweather Light"/>
               <a:cs typeface="Merriweather Light"/>
@@ -7126,7 +7257,7 @@
                 <a:cs typeface="Merriweather"/>
                 <a:sym typeface="Merriweather"/>
               </a:rPr>
-              <a:t>Pinterest Aspect</a:t>
+              <a:t>Features</a:t>
             </a:r>
             <a:endParaRPr>
               <a:latin typeface="Merriweather"/>
@@ -7162,6 +7293,384 @@
           <a:p>
             <a:pPr indent="-342900" lvl="0" marL="457200" rtl="0" algn="l">
               <a:lnSpc>
+                <a:spcPct val="150000"/>
+              </a:lnSpc>
+              <a:spcBef>
+                <a:spcPts val="0"/>
+              </a:spcBef>
+              <a:spcAft>
+                <a:spcPts val="0"/>
+              </a:spcAft>
+              <a:buSzPts val="1800"/>
+              <a:buFont typeface="Merriweather Light"/>
+              <a:buChar char="●"/>
+            </a:pPr>
+            <a:r>
+              <a:rPr lang="en" sz="1800">
+                <a:latin typeface="Merriweather Light"/>
+                <a:ea typeface="Merriweather Light"/>
+                <a:cs typeface="Merriweather Light"/>
+                <a:sym typeface="Merriweather Light"/>
+              </a:rPr>
+              <a:t>Directions</a:t>
+            </a:r>
+            <a:endParaRPr sz="1800">
+              <a:latin typeface="Merriweather Light"/>
+              <a:ea typeface="Merriweather Light"/>
+              <a:cs typeface="Merriweather Light"/>
+              <a:sym typeface="Merriweather Light"/>
+            </a:endParaRPr>
+          </a:p>
+          <a:p>
+            <a:pPr indent="-317500" lvl="1" marL="914400" rtl="0" algn="l">
+              <a:lnSpc>
+                <a:spcPct val="150000"/>
+              </a:lnSpc>
+              <a:spcBef>
+                <a:spcPts val="0"/>
+              </a:spcBef>
+              <a:spcAft>
+                <a:spcPts val="0"/>
+              </a:spcAft>
+              <a:buSzPts val="1400"/>
+              <a:buFont typeface="Merriweather Light"/>
+              <a:buChar char="○"/>
+            </a:pPr>
+            <a:r>
+              <a:rPr lang="en">
+                <a:latin typeface="Merriweather Light"/>
+                <a:ea typeface="Merriweather Light"/>
+                <a:cs typeface="Merriweather Light"/>
+                <a:sym typeface="Merriweather Light"/>
+              </a:rPr>
+              <a:t>Prep, Application, Removal</a:t>
+            </a:r>
+            <a:endParaRPr>
+              <a:latin typeface="Merriweather Light"/>
+              <a:ea typeface="Merriweather Light"/>
+              <a:cs typeface="Merriweather Light"/>
+              <a:sym typeface="Merriweather Light"/>
+            </a:endParaRPr>
+          </a:p>
+          <a:p>
+            <a:pPr indent="-342900" lvl="0" marL="457200" rtl="0" algn="l">
+              <a:lnSpc>
+                <a:spcPct val="150000"/>
+              </a:lnSpc>
+              <a:spcBef>
+                <a:spcPts val="0"/>
+              </a:spcBef>
+              <a:spcAft>
+                <a:spcPts val="0"/>
+              </a:spcAft>
+              <a:buSzPts val="1800"/>
+              <a:buFont typeface="Merriweather Light"/>
+              <a:buChar char="●"/>
+            </a:pPr>
+            <a:r>
+              <a:rPr lang="en" sz="1800">
+                <a:latin typeface="Merriweather Light"/>
+                <a:ea typeface="Merriweather Light"/>
+                <a:cs typeface="Merriweather Light"/>
+                <a:sym typeface="Merriweather Light"/>
+              </a:rPr>
+              <a:t>Tips &amp; Tricks</a:t>
+            </a:r>
+            <a:endParaRPr>
+              <a:latin typeface="Merriweather Light"/>
+              <a:ea typeface="Merriweather Light"/>
+              <a:cs typeface="Merriweather Light"/>
+              <a:sym typeface="Merriweather Light"/>
+            </a:endParaRPr>
+          </a:p>
+          <a:p>
+            <a:pPr indent="-342900" lvl="0" marL="457200" rtl="0" algn="l">
+              <a:lnSpc>
+                <a:spcPct val="150000"/>
+              </a:lnSpc>
+              <a:spcBef>
+                <a:spcPts val="0"/>
+              </a:spcBef>
+              <a:spcAft>
+                <a:spcPts val="0"/>
+              </a:spcAft>
+              <a:buSzPts val="1800"/>
+              <a:buFont typeface="Merriweather Light"/>
+              <a:buChar char="●"/>
+            </a:pPr>
+            <a:r>
+              <a:rPr lang="en" sz="1800">
+                <a:latin typeface="Merriweather Light"/>
+                <a:ea typeface="Merriweather Light"/>
+                <a:cs typeface="Merriweather Light"/>
+                <a:sym typeface="Merriweather Light"/>
+              </a:rPr>
+              <a:t>Photo Gallery</a:t>
+            </a:r>
+            <a:endParaRPr>
+              <a:latin typeface="Merriweather Light"/>
+              <a:ea typeface="Merriweather Light"/>
+              <a:cs typeface="Merriweather Light"/>
+              <a:sym typeface="Merriweather Light"/>
+            </a:endParaRPr>
+          </a:p>
+          <a:p>
+            <a:pPr indent="-317500" lvl="1" marL="914400" rtl="0" algn="l">
+              <a:lnSpc>
+                <a:spcPct val="150000"/>
+              </a:lnSpc>
+              <a:spcBef>
+                <a:spcPts val="0"/>
+              </a:spcBef>
+              <a:spcAft>
+                <a:spcPts val="0"/>
+              </a:spcAft>
+              <a:buSzPts val="1400"/>
+              <a:buFont typeface="Merriweather Light"/>
+              <a:buChar char="○"/>
+            </a:pPr>
+            <a:r>
+              <a:rPr lang="en">
+                <a:latin typeface="Merriweather Light"/>
+                <a:ea typeface="Merriweather Light"/>
+                <a:cs typeface="Merriweather Light"/>
+                <a:sym typeface="Merriweather Light"/>
+              </a:rPr>
+              <a:t>Inspiration, photos can be saved to pinterest</a:t>
+            </a:r>
+            <a:endParaRPr>
+              <a:latin typeface="Merriweather Light"/>
+              <a:ea typeface="Merriweather Light"/>
+              <a:cs typeface="Merriweather Light"/>
+              <a:sym typeface="Merriweather Light"/>
+            </a:endParaRPr>
+          </a:p>
+          <a:p>
+            <a:pPr indent="-342900" lvl="0" marL="457200" rtl="0" algn="l">
+              <a:lnSpc>
+                <a:spcPct val="150000"/>
+              </a:lnSpc>
+              <a:spcBef>
+                <a:spcPts val="0"/>
+              </a:spcBef>
+              <a:spcAft>
+                <a:spcPts val="0"/>
+              </a:spcAft>
+              <a:buSzPts val="1800"/>
+              <a:buFont typeface="Merriweather Light"/>
+              <a:buChar char="●"/>
+            </a:pPr>
+            <a:r>
+              <a:rPr lang="en" sz="1800">
+                <a:latin typeface="Merriweather Light"/>
+                <a:ea typeface="Merriweather Light"/>
+                <a:cs typeface="Merriweather Light"/>
+                <a:sym typeface="Merriweather Light"/>
+              </a:rPr>
+              <a:t>Helpful Links </a:t>
+            </a:r>
+            <a:endParaRPr>
+              <a:latin typeface="Merriweather Light"/>
+              <a:ea typeface="Merriweather Light"/>
+              <a:cs typeface="Merriweather Light"/>
+              <a:sym typeface="Merriweather Light"/>
+            </a:endParaRPr>
+          </a:p>
+          <a:p>
+            <a:pPr indent="-317500" lvl="1" marL="914400" rtl="0" algn="l">
+              <a:lnSpc>
+                <a:spcPct val="150000"/>
+              </a:lnSpc>
+              <a:spcBef>
+                <a:spcPts val="0"/>
+              </a:spcBef>
+              <a:spcAft>
+                <a:spcPts val="0"/>
+              </a:spcAft>
+              <a:buSzPts val="1400"/>
+              <a:buFont typeface="Merriweather Light"/>
+              <a:buChar char="○"/>
+            </a:pPr>
+            <a:r>
+              <a:rPr lang="en">
+                <a:latin typeface="Merriweather Light"/>
+                <a:ea typeface="Merriweather Light"/>
+                <a:cs typeface="Merriweather Light"/>
+                <a:sym typeface="Merriweather Light"/>
+              </a:rPr>
+              <a:t>Dip Powder Companies, Tools, Accessories, YouTube Tutorials</a:t>
+            </a:r>
+            <a:endParaRPr>
+              <a:latin typeface="Merriweather Light"/>
+              <a:ea typeface="Merriweather Light"/>
+              <a:cs typeface="Merriweather Light"/>
+              <a:sym typeface="Merriweather Light"/>
+            </a:endParaRPr>
+          </a:p>
+          <a:p>
+            <a:pPr indent="-342900" lvl="0" marL="457200" rtl="0" algn="l">
+              <a:lnSpc>
+                <a:spcPct val="150000"/>
+              </a:lnSpc>
+              <a:spcBef>
+                <a:spcPts val="0"/>
+              </a:spcBef>
+              <a:spcAft>
+                <a:spcPts val="0"/>
+              </a:spcAft>
+              <a:buSzPts val="1800"/>
+              <a:buFont typeface="Merriweather Light"/>
+              <a:buChar char="●"/>
+            </a:pPr>
+            <a:r>
+              <a:rPr lang="en" sz="1800">
+                <a:latin typeface="Merriweather Light"/>
+                <a:ea typeface="Merriweather Light"/>
+                <a:cs typeface="Merriweather Light"/>
+                <a:sym typeface="Merriweather Light"/>
+              </a:rPr>
+              <a:t>DIY Section</a:t>
+            </a:r>
+            <a:endParaRPr sz="1800">
+              <a:latin typeface="Merriweather Light"/>
+              <a:ea typeface="Merriweather Light"/>
+              <a:cs typeface="Merriweather Light"/>
+              <a:sym typeface="Merriweather Light"/>
+            </a:endParaRPr>
+          </a:p>
+          <a:p>
+            <a:pPr indent="-317500" lvl="1" marL="914400" rtl="0" algn="l">
+              <a:lnSpc>
+                <a:spcPct val="150000"/>
+              </a:lnSpc>
+              <a:spcBef>
+                <a:spcPts val="0"/>
+              </a:spcBef>
+              <a:spcAft>
+                <a:spcPts val="0"/>
+              </a:spcAft>
+              <a:buSzPts val="1400"/>
+              <a:buFont typeface="Merriweather Light"/>
+              <a:buChar char="○"/>
+            </a:pPr>
+            <a:r>
+              <a:rPr lang="en">
+                <a:latin typeface="Merriweather Light"/>
+                <a:ea typeface="Merriweather Light"/>
+                <a:cs typeface="Merriweather Light"/>
+                <a:sym typeface="Merriweather Light"/>
+              </a:rPr>
+              <a:t>How to create your own powder</a:t>
+            </a:r>
+            <a:endParaRPr>
+              <a:latin typeface="Merriweather Light"/>
+              <a:ea typeface="Merriweather Light"/>
+              <a:cs typeface="Merriweather Light"/>
+              <a:sym typeface="Merriweather Light"/>
+            </a:endParaRPr>
+          </a:p>
+        </p:txBody>
+      </p:sp>
+    </p:spTree>
+  </p:cSld>
+  <p:clrMapOvr>
+    <a:masterClrMapping/>
+  </p:clrMapOvr>
+</p:sld>
+</file>
+
+<file path=ppt/slides/slide5.xml><?xml version="1.0" encoding="utf-8"?>
+<p:sld xmlns:a="http://schemas.openxmlformats.org/drawingml/2006/main" xmlns:r="http://schemas.openxmlformats.org/officeDocument/2006/relationships" xmlns:mc="http://schemas.openxmlformats.org/markup-compatibility/2006" xmlns:mv="urn:schemas-microsoft-com:mac:vml" xmlns:p="http://schemas.openxmlformats.org/presentationml/2006/main" xmlns:c="http://schemas.openxmlformats.org/drawingml/2006/chart" xmlns:dgm="http://schemas.openxmlformats.org/drawingml/2006/diagram" xmlns:o="urn:schemas-microsoft-com:office:office" xmlns:v="urn:schemas-microsoft-com:vml" xmlns:pvml="urn:schemas-microsoft-com:office:powerpoint" xmlns:com="http://schemas.openxmlformats.org/drawingml/2006/compatibility" xmlns:p14="http://schemas.microsoft.com/office/powerpoint/2010/main" xmlns:p15="http://schemas.microsoft.com/office/powerpoint/2012/main" xmlns:ahyp="http://schemas.microsoft.com/office/drawing/2018/hyperlinkcolor">
+  <p:cSld>
+    <p:spTree>
+      <p:nvGrpSpPr>
+        <p:cNvPr id="77" name="Shape 77"/>
+        <p:cNvGrpSpPr/>
+        <p:nvPr/>
+      </p:nvGrpSpPr>
+      <p:grpSpPr>
+        <a:xfrm>
+          <a:off x="0" y="0"/>
+          <a:ext cx="0" cy="0"/>
+          <a:chOff x="0" y="0"/>
+          <a:chExt cx="0" cy="0"/>
+        </a:xfrm>
+      </p:grpSpPr>
+      <p:sp>
+        <p:nvSpPr>
+          <p:cNvPr id="78" name="Google Shape;78;p17"/>
+          <p:cNvSpPr txBox="1"/>
+          <p:nvPr>
+            <p:ph type="title"/>
+          </p:nvPr>
+        </p:nvSpPr>
+        <p:spPr>
+          <a:xfrm>
+            <a:off x="311700" y="445025"/>
+            <a:ext cx="8520600" cy="572700"/>
+          </a:xfrm>
+          <a:prstGeom prst="rect">
+            <a:avLst/>
+          </a:prstGeom>
+        </p:spPr>
+        <p:txBody>
+          <a:bodyPr anchorCtr="0" anchor="t" bIns="91425" lIns="91425" spcFirstLastPara="1" rIns="91425" wrap="square" tIns="91425">
+            <a:noAutofit/>
+          </a:bodyPr>
+          <a:lstStyle/>
+          <a:p>
+            <a:pPr indent="0" lvl="0" marL="0" rtl="0" algn="l">
+              <a:spcBef>
+                <a:spcPts val="0"/>
+              </a:spcBef>
+              <a:spcAft>
+                <a:spcPts val="0"/>
+              </a:spcAft>
+              <a:buNone/>
+            </a:pPr>
+            <a:r>
+              <a:rPr lang="en">
+                <a:latin typeface="Merriweather"/>
+                <a:ea typeface="Merriweather"/>
+                <a:cs typeface="Merriweather"/>
+                <a:sym typeface="Merriweather"/>
+              </a:rPr>
+              <a:t>Pinterest Aspect</a:t>
+            </a:r>
+            <a:endParaRPr>
+              <a:latin typeface="Merriweather"/>
+              <a:ea typeface="Merriweather"/>
+              <a:cs typeface="Merriweather"/>
+              <a:sym typeface="Merriweather"/>
+            </a:endParaRPr>
+          </a:p>
+        </p:txBody>
+      </p:sp>
+      <p:sp>
+        <p:nvSpPr>
+          <p:cNvPr id="79" name="Google Shape;79;p17"/>
+          <p:cNvSpPr txBox="1"/>
+          <p:nvPr>
+            <p:ph idx="1" type="body"/>
+          </p:nvPr>
+        </p:nvSpPr>
+        <p:spPr>
+          <a:xfrm>
+            <a:off x="311700" y="1152475"/>
+            <a:ext cx="8520600" cy="3416400"/>
+          </a:xfrm>
+          <a:prstGeom prst="rect">
+            <a:avLst/>
+          </a:prstGeom>
+        </p:spPr>
+        <p:txBody>
+          <a:bodyPr anchorCtr="0" anchor="t" bIns="91425" lIns="91425" spcFirstLastPara="1" rIns="91425" wrap="square" tIns="91425">
+            <a:noAutofit/>
+          </a:bodyPr>
+          <a:lstStyle/>
+          <a:p>
+            <a:pPr indent="-342900" lvl="0" marL="457200" rtl="0" algn="l">
+              <a:lnSpc>
                 <a:spcPct val="175000"/>
               </a:lnSpc>
               <a:spcBef>
@@ -7254,13 +7763,46 @@
               <a:buChar char="●"/>
             </a:pPr>
             <a:r>
+              <a:rPr lang="en" u="sng">
+                <a:solidFill>
+                  <a:schemeClr val="hlink"/>
+                </a:solidFill>
+                <a:latin typeface="Merriweather Light"/>
+                <a:ea typeface="Merriweather Light"/>
+                <a:cs typeface="Merriweather Light"/>
+                <a:sym typeface="Merriweather Light"/>
+                <a:hlinkClick r:id="rId3"/>
+              </a:rPr>
+              <a:t>https://developers.pinterest.com/docs/widgets/save/</a:t>
+            </a:r>
+            <a:r>
               <a:rPr lang="en">
                 <a:latin typeface="Merriweather Light"/>
                 <a:ea typeface="Merriweather Light"/>
                 <a:cs typeface="Merriweather Light"/>
                 <a:sym typeface="Merriweather Light"/>
               </a:rPr>
-              <a:t>https://developers.pinterest.com/docs/widgets/save/?</a:t>
+              <a:t>?</a:t>
+            </a:r>
+            <a:endParaRPr>
+              <a:latin typeface="Merriweather Light"/>
+              <a:ea typeface="Merriweather Light"/>
+              <a:cs typeface="Merriweather Light"/>
+              <a:sym typeface="Merriweather Light"/>
+            </a:endParaRPr>
+          </a:p>
+          <a:p>
+            <a:pPr indent="0" lvl="0" marL="457200" rtl="0" algn="l">
+              <a:spcBef>
+                <a:spcPts val="1600"/>
+              </a:spcBef>
+              <a:spcAft>
+                <a:spcPts val="1600"/>
+              </a:spcAft>
+              <a:buNone/>
+            </a:pPr>
+            <a:r>
+              <a:t/>
             </a:r>
             <a:endParaRPr>
               <a:latin typeface="Merriweather Light"/>
@@ -7273,12 +7815,12 @@
       </p:sp>
       <p:pic>
         <p:nvPicPr>
-          <p:cNvPr id="74" name="Google Shape;74;p16"/>
+          <p:cNvPr id="80" name="Google Shape;80;p17"/>
           <p:cNvPicPr preferRelativeResize="0"/>
           <p:nvPr/>
         </p:nvPicPr>
         <p:blipFill>
-          <a:blip r:embed="rId3">
+          <a:blip r:embed="rId4">
             <a:alphaModFix/>
           </a:blip>
           <a:stretch>
@@ -7299,199 +7841,6 @@
           </a:ln>
         </p:spPr>
       </p:pic>
-    </p:spTree>
-  </p:cSld>
-  <p:clrMapOvr>
-    <a:masterClrMapping/>
-  </p:clrMapOvr>
-</p:sld>
-</file>
-
-<file path=ppt/slides/slide5.xml><?xml version="1.0" encoding="utf-8"?>
-<p:sld xmlns:a="http://schemas.openxmlformats.org/drawingml/2006/main" xmlns:r="http://schemas.openxmlformats.org/officeDocument/2006/relationships" xmlns:mc="http://schemas.openxmlformats.org/markup-compatibility/2006" xmlns:mv="urn:schemas-microsoft-com:mac:vml" xmlns:p="http://schemas.openxmlformats.org/presentationml/2006/main" xmlns:c="http://schemas.openxmlformats.org/drawingml/2006/chart" xmlns:dgm="http://schemas.openxmlformats.org/drawingml/2006/diagram" xmlns:o="urn:schemas-microsoft-com:office:office" xmlns:v="urn:schemas-microsoft-com:vml" xmlns:pvml="urn:schemas-microsoft-com:office:powerpoint" xmlns:com="http://schemas.openxmlformats.org/drawingml/2006/compatibility" xmlns:p14="http://schemas.microsoft.com/office/powerpoint/2010/main" xmlns:p15="http://schemas.microsoft.com/office/powerpoint/2012/main" xmlns:ahyp="http://schemas.microsoft.com/office/drawing/2018/hyperlinkcolor">
-  <p:cSld>
-    <p:spTree>
-      <p:nvGrpSpPr>
-        <p:cNvPr id="78" name="Shape 78"/>
-        <p:cNvGrpSpPr/>
-        <p:nvPr/>
-      </p:nvGrpSpPr>
-      <p:grpSpPr>
-        <a:xfrm>
-          <a:off x="0" y="0"/>
-          <a:ext cx="0" cy="0"/>
-          <a:chOff x="0" y="0"/>
-          <a:chExt cx="0" cy="0"/>
-        </a:xfrm>
-      </p:grpSpPr>
-      <p:sp>
-        <p:nvSpPr>
-          <p:cNvPr id="79" name="Google Shape;79;p17"/>
-          <p:cNvSpPr txBox="1"/>
-          <p:nvPr>
-            <p:ph type="title"/>
-          </p:nvPr>
-        </p:nvSpPr>
-        <p:spPr>
-          <a:xfrm>
-            <a:off x="311700" y="445025"/>
-            <a:ext cx="8520600" cy="572700"/>
-          </a:xfrm>
-          <a:prstGeom prst="rect">
-            <a:avLst/>
-          </a:prstGeom>
-        </p:spPr>
-        <p:txBody>
-          <a:bodyPr anchorCtr="0" anchor="t" bIns="91425" lIns="91425" spcFirstLastPara="1" rIns="91425" wrap="square" tIns="91425">
-            <a:noAutofit/>
-          </a:bodyPr>
-          <a:lstStyle/>
-          <a:p>
-            <a:pPr indent="0" lvl="0" marL="0" rtl="0" algn="l">
-              <a:spcBef>
-                <a:spcPts val="0"/>
-              </a:spcBef>
-              <a:spcAft>
-                <a:spcPts val="0"/>
-              </a:spcAft>
-              <a:buNone/>
-            </a:pPr>
-            <a:r>
-              <a:rPr lang="en" sz="3100">
-                <a:latin typeface="Merriweather"/>
-                <a:ea typeface="Merriweather"/>
-                <a:cs typeface="Merriweather"/>
-                <a:sym typeface="Merriweather"/>
-              </a:rPr>
-              <a:t>Incomplete Factors</a:t>
-            </a:r>
-            <a:endParaRPr sz="3100">
-              <a:latin typeface="Merriweather"/>
-              <a:ea typeface="Merriweather"/>
-              <a:cs typeface="Merriweather"/>
-              <a:sym typeface="Merriweather"/>
-            </a:endParaRPr>
-          </a:p>
-        </p:txBody>
-      </p:sp>
-      <p:sp>
-        <p:nvSpPr>
-          <p:cNvPr id="80" name="Google Shape;80;p17"/>
-          <p:cNvSpPr txBox="1"/>
-          <p:nvPr>
-            <p:ph idx="1" type="body"/>
-          </p:nvPr>
-        </p:nvSpPr>
-        <p:spPr>
-          <a:xfrm>
-            <a:off x="311700" y="1152475"/>
-            <a:ext cx="8520600" cy="3416400"/>
-          </a:xfrm>
-          <a:prstGeom prst="rect">
-            <a:avLst/>
-          </a:prstGeom>
-        </p:spPr>
-        <p:txBody>
-          <a:bodyPr anchorCtr="0" anchor="t" bIns="91425" lIns="91425" spcFirstLastPara="1" rIns="91425" wrap="square" tIns="91425">
-            <a:noAutofit/>
-          </a:bodyPr>
-          <a:lstStyle/>
-          <a:p>
-            <a:pPr indent="0" lvl="0" marL="0" rtl="0" algn="l">
-              <a:lnSpc>
-                <a:spcPct val="175000"/>
-              </a:lnSpc>
-              <a:spcBef>
-                <a:spcPts val="0"/>
-              </a:spcBef>
-              <a:spcAft>
-                <a:spcPts val="0"/>
-              </a:spcAft>
-              <a:buNone/>
-            </a:pPr>
-            <a:r>
-              <a:rPr lang="en" sz="2000"/>
-              <a:t>User Login/Registration</a:t>
-            </a:r>
-            <a:endParaRPr sz="2000"/>
-          </a:p>
-          <a:p>
-            <a:pPr indent="0" lvl="0" marL="457200" rtl="0" algn="l">
-              <a:lnSpc>
-                <a:spcPct val="175000"/>
-              </a:lnSpc>
-              <a:spcBef>
-                <a:spcPts val="0"/>
-              </a:spcBef>
-              <a:spcAft>
-                <a:spcPts val="0"/>
-              </a:spcAft>
-              <a:buNone/>
-            </a:pPr>
-            <a:r>
-              <a:rPr lang="en" sz="1600"/>
-              <a:t>Allow users to log in to their accounts</a:t>
-            </a:r>
-            <a:endParaRPr sz="1600"/>
-          </a:p>
-          <a:p>
-            <a:pPr indent="0" lvl="0" marL="0" rtl="0" algn="l">
-              <a:lnSpc>
-                <a:spcPct val="175000"/>
-              </a:lnSpc>
-              <a:spcBef>
-                <a:spcPts val="0"/>
-              </a:spcBef>
-              <a:spcAft>
-                <a:spcPts val="0"/>
-              </a:spcAft>
-              <a:buNone/>
-            </a:pPr>
-            <a:r>
-              <a:rPr lang="en" sz="2000"/>
-              <a:t>Store/Shopping Cart</a:t>
-            </a:r>
-            <a:endParaRPr sz="2000"/>
-          </a:p>
-          <a:p>
-            <a:pPr indent="0" lvl="0" marL="457200" rtl="0" algn="l">
-              <a:lnSpc>
-                <a:spcPct val="175000"/>
-              </a:lnSpc>
-              <a:spcBef>
-                <a:spcPts val="0"/>
-              </a:spcBef>
-              <a:spcAft>
-                <a:spcPts val="0"/>
-              </a:spcAft>
-              <a:buNone/>
-            </a:pPr>
-            <a:r>
-              <a:rPr lang="en" sz="1600"/>
-              <a:t>Allow users to buy the powders that I have made</a:t>
-            </a:r>
-            <a:endParaRPr sz="1600"/>
-          </a:p>
-          <a:p>
-            <a:pPr indent="0" lvl="0" marL="0" rtl="0" algn="l">
-              <a:lnSpc>
-                <a:spcPct val="175000"/>
-              </a:lnSpc>
-              <a:spcBef>
-                <a:spcPts val="0"/>
-              </a:spcBef>
-              <a:spcAft>
-                <a:spcPts val="0"/>
-              </a:spcAft>
-              <a:buNone/>
-            </a:pPr>
-            <a:r>
-              <a:t/>
-            </a:r>
-            <a:endParaRPr sz="1600"/>
-          </a:p>
-        </p:txBody>
-      </p:sp>
     </p:spTree>
   </p:cSld>
   <p:clrMapOvr>
@@ -7550,15 +7899,15 @@
               <a:buNone/>
             </a:pPr>
             <a:r>
-              <a:rPr lang="en">
+              <a:rPr lang="en" sz="3100">
                 <a:latin typeface="Merriweather"/>
                 <a:ea typeface="Merriweather"/>
                 <a:cs typeface="Merriweather"/>
                 <a:sym typeface="Merriweather"/>
               </a:rPr>
-              <a:t>Login/Registration</a:t>
+              <a:t>Incomplete Factors</a:t>
             </a:r>
-            <a:endParaRPr>
+            <a:endParaRPr sz="3100">
               <a:latin typeface="Merriweather"/>
               <a:ea typeface="Merriweather"/>
               <a:cs typeface="Merriweather"/>
@@ -7590,157 +7939,98 @@
           </a:bodyPr>
           <a:lstStyle/>
           <a:p>
-            <a:pPr indent="-342900" lvl="0" marL="457200" rtl="0" algn="l">
-              <a:spcBef>
-                <a:spcPts val="0"/>
-              </a:spcBef>
-              <a:spcAft>
-                <a:spcPts val="0"/>
-              </a:spcAft>
-              <a:buSzPts val="1800"/>
-              <a:buChar char="●"/>
+            <a:pPr indent="0" lvl="0" marL="0" rtl="0" algn="l">
+              <a:lnSpc>
+                <a:spcPct val="175000"/>
+              </a:lnSpc>
+              <a:spcBef>
+                <a:spcPts val="0"/>
+              </a:spcBef>
+              <a:spcAft>
+                <a:spcPts val="0"/>
+              </a:spcAft>
+              <a:buNone/>
             </a:pPr>
             <a:r>
-              <a:rPr lang="en"/>
-              <a:t>First time making a database</a:t>
+              <a:rPr lang="en" sz="2000"/>
+              <a:t>User Login/Registration</a:t>
             </a:r>
-            <a:endParaRPr/>
+            <a:endParaRPr sz="2000"/>
           </a:p>
           <a:p>
-            <a:pPr indent="-317500" lvl="1" marL="914400" rtl="0" algn="l">
-              <a:spcBef>
-                <a:spcPts val="0"/>
-              </a:spcBef>
-              <a:spcAft>
-                <a:spcPts val="0"/>
-              </a:spcAft>
-              <a:buSzPts val="1400"/>
-              <a:buChar char="○"/>
+            <a:pPr indent="0" lvl="0" marL="457200" rtl="0" algn="l">
+              <a:lnSpc>
+                <a:spcPct val="175000"/>
+              </a:lnSpc>
+              <a:spcBef>
+                <a:spcPts val="0"/>
+              </a:spcBef>
+              <a:spcAft>
+                <a:spcPts val="0"/>
+              </a:spcAft>
+              <a:buNone/>
             </a:pPr>
             <a:r>
-              <a:rPr lang="en"/>
-              <a:t>Issues with PHPMyAdmin</a:t>
+              <a:rPr lang="en" sz="1600"/>
+              <a:t>Allow users to log in to their accounts</a:t>
             </a:r>
-            <a:endParaRPr/>
+            <a:endParaRPr sz="1600"/>
           </a:p>
           <a:p>
-            <a:pPr indent="-317500" lvl="1" marL="914400" rtl="0" algn="l">
-              <a:spcBef>
-                <a:spcPts val="0"/>
-              </a:spcBef>
-              <a:spcAft>
-                <a:spcPts val="0"/>
-              </a:spcAft>
-              <a:buSzPts val="1400"/>
-              <a:buChar char="○"/>
+            <a:pPr indent="0" lvl="0" marL="0" rtl="0" algn="l">
+              <a:lnSpc>
+                <a:spcPct val="175000"/>
+              </a:lnSpc>
+              <a:spcBef>
+                <a:spcPts val="0"/>
+              </a:spcBef>
+              <a:spcAft>
+                <a:spcPts val="0"/>
+              </a:spcAft>
+              <a:buNone/>
             </a:pPr>
             <a:r>
-              <a:rPr lang="en"/>
-              <a:t>Issues with linking it to the site</a:t>
+              <a:rPr lang="en" sz="2000"/>
+              <a:t>Store/Shopping Cart</a:t>
             </a:r>
-            <a:endParaRPr sz="1400"/>
+            <a:endParaRPr sz="2000"/>
           </a:p>
           <a:p>
-            <a:pPr indent="-342900" lvl="0" marL="457200" rtl="0" algn="l">
-              <a:spcBef>
-                <a:spcPts val="0"/>
-              </a:spcBef>
-              <a:spcAft>
-                <a:spcPts val="0"/>
-              </a:spcAft>
-              <a:buSzPts val="1800"/>
-              <a:buChar char="●"/>
+            <a:pPr indent="0" lvl="0" marL="457200" rtl="0" algn="l">
+              <a:lnSpc>
+                <a:spcPct val="175000"/>
+              </a:lnSpc>
+              <a:spcBef>
+                <a:spcPts val="0"/>
+              </a:spcBef>
+              <a:spcAft>
+                <a:spcPts val="0"/>
+              </a:spcAft>
+              <a:buNone/>
             </a:pPr>
             <a:r>
-              <a:rPr lang="en"/>
-              <a:t>Database is Created</a:t>
+              <a:rPr lang="en" sz="1600"/>
+              <a:t>Allow users to buy the powders that I have made</a:t>
             </a:r>
-            <a:endParaRPr/>
+            <a:endParaRPr sz="1600"/>
           </a:p>
           <a:p>
-            <a:pPr indent="-342900" lvl="0" marL="457200" rtl="0" algn="l">
-              <a:spcBef>
-                <a:spcPts val="0"/>
-              </a:spcBef>
-              <a:spcAft>
-                <a:spcPts val="0"/>
-              </a:spcAft>
-              <a:buSzPts val="1800"/>
-              <a:buChar char="●"/>
+            <a:pPr indent="0" lvl="0" marL="0" rtl="0" algn="l">
+              <a:lnSpc>
+                <a:spcPct val="175000"/>
+              </a:lnSpc>
+              <a:spcBef>
+                <a:spcPts val="0"/>
+              </a:spcBef>
+              <a:spcAft>
+                <a:spcPts val="0"/>
+              </a:spcAft>
+              <a:buNone/>
             </a:pPr>
             <a:r>
-              <a:rPr lang="en"/>
-              <a:t>Ran out of time working on it</a:t>
+              <a:t/>
             </a:r>
-            <a:endParaRPr/>
-          </a:p>
-          <a:p>
-            <a:pPr indent="-342900" lvl="0" marL="457200" rtl="0" algn="l">
-              <a:spcBef>
-                <a:spcPts val="0"/>
-              </a:spcBef>
-              <a:spcAft>
-                <a:spcPts val="0"/>
-              </a:spcAft>
-              <a:buSzPts val="1800"/>
-              <a:buChar char="●"/>
-            </a:pPr>
-            <a:r>
-              <a:rPr lang="en"/>
-              <a:t>Plan for completion</a:t>
-            </a:r>
-            <a:endParaRPr/>
-          </a:p>
-          <a:p>
-            <a:pPr indent="-317500" lvl="1" marL="914400" rtl="0" algn="l">
-              <a:spcBef>
-                <a:spcPts val="0"/>
-              </a:spcBef>
-              <a:spcAft>
-                <a:spcPts val="0"/>
-              </a:spcAft>
-              <a:buSzPts val="1400"/>
-              <a:buChar char="○"/>
-            </a:pPr>
-            <a:r>
-              <a:rPr lang="en"/>
-              <a:t>Add in the HTML for the login and register buttons</a:t>
-            </a:r>
-            <a:endParaRPr/>
-          </a:p>
-          <a:p>
-            <a:pPr indent="-317500" lvl="1" marL="914400" rtl="0" algn="l">
-              <a:spcBef>
-                <a:spcPts val="0"/>
-              </a:spcBef>
-              <a:spcAft>
-                <a:spcPts val="0"/>
-              </a:spcAft>
-              <a:buSzPts val="1400"/>
-              <a:buChar char="○"/>
-            </a:pPr>
-            <a:r>
-              <a:rPr lang="en"/>
-              <a:t>Link the database and the site together</a:t>
-            </a:r>
-            <a:endParaRPr/>
-          </a:p>
-          <a:p>
-            <a:pPr indent="-317500" lvl="1" marL="914400" rtl="0" algn="l">
-              <a:spcBef>
-                <a:spcPts val="0"/>
-              </a:spcBef>
-              <a:spcAft>
-                <a:spcPts val="0"/>
-              </a:spcAft>
-              <a:buSzPts val="1400"/>
-              <a:buChar char="○"/>
-            </a:pPr>
-            <a:r>
-              <a:rPr lang="en"/>
-              <a:t>Time to completion: 3-5 days</a:t>
-            </a:r>
-            <a:endParaRPr/>
+            <a:endParaRPr sz="1600"/>
           </a:p>
         </p:txBody>
       </p:sp>
@@ -7808,7 +8098,7 @@
                 <a:cs typeface="Merriweather"/>
                 <a:sym typeface="Merriweather"/>
               </a:rPr>
-              <a:t>Store/Shopping Cart</a:t>
+              <a:t>Login/Registration</a:t>
             </a:r>
             <a:endParaRPr>
               <a:latin typeface="Merriweather"/>
@@ -7843,9 +8133,6 @@
           <a:lstStyle/>
           <a:p>
             <a:pPr indent="-342900" lvl="0" marL="457200" rtl="0" algn="l">
-              <a:lnSpc>
-                <a:spcPct val="150000"/>
-              </a:lnSpc>
               <a:spcBef>
                 <a:spcPts val="0"/>
               </a:spcBef>
@@ -7853,30 +8140,50 @@
                 <a:spcPts val="0"/>
               </a:spcAft>
               <a:buSzPts val="1800"/>
-              <a:buFont typeface="Merriweather Light"/>
               <a:buChar char="●"/>
             </a:pPr>
             <a:r>
-              <a:rPr lang="en">
-                <a:latin typeface="Merriweather Light"/>
-                <a:ea typeface="Merriweather Light"/>
-                <a:cs typeface="Merriweather Light"/>
-                <a:sym typeface="Merriweather Light"/>
-              </a:rPr>
-              <a:t>Needs a checkout form/way to take payment</a:t>
+              <a:rPr lang="en"/>
+              <a:t>First time making a database</a:t>
             </a:r>
-            <a:endParaRPr>
-              <a:latin typeface="Merriweather Light"/>
-              <a:ea typeface="Merriweather Light"/>
-              <a:cs typeface="Merriweather Light"/>
-              <a:sym typeface="Merriweather Light"/>
-            </a:endParaRPr>
+            <a:endParaRPr/>
+          </a:p>
+          <a:p>
+            <a:pPr indent="-317500" lvl="1" marL="914400" rtl="0" algn="l">
+              <a:spcBef>
+                <a:spcPts val="0"/>
+              </a:spcBef>
+              <a:spcAft>
+                <a:spcPts val="0"/>
+              </a:spcAft>
+              <a:buSzPts val="1400"/>
+              <a:buChar char="○"/>
+            </a:pPr>
+            <a:r>
+              <a:rPr lang="en"/>
+              <a:t>Issues with PHPMyAdmin</a:t>
+            </a:r>
+            <a:endParaRPr/>
+          </a:p>
+          <a:p>
+            <a:pPr indent="-317500" lvl="1" marL="914400" rtl="0" algn="l">
+              <a:spcBef>
+                <a:spcPts val="0"/>
+              </a:spcBef>
+              <a:spcAft>
+                <a:spcPts val="0"/>
+              </a:spcAft>
+              <a:buSzPts val="1400"/>
+              <a:buChar char="○"/>
+            </a:pPr>
+            <a:r>
+              <a:rPr lang="en"/>
+              <a:t>Issues with linking it to the site</a:t>
+            </a:r>
+            <a:endParaRPr sz="1400"/>
           </a:p>
           <a:p>
             <a:pPr indent="-342900" lvl="0" marL="457200" rtl="0" algn="l">
-              <a:lnSpc>
-                <a:spcPct val="150000"/>
-              </a:lnSpc>
               <a:spcBef>
                 <a:spcPts val="0"/>
               </a:spcBef>
@@ -7884,30 +8191,16 @@
                 <a:spcPts val="0"/>
               </a:spcAft>
               <a:buSzPts val="1800"/>
-              <a:buFont typeface="Merriweather Light"/>
               <a:buChar char="●"/>
             </a:pPr>
             <a:r>
-              <a:rPr lang="en">
-                <a:latin typeface="Merriweather Light"/>
-                <a:ea typeface="Merriweather Light"/>
-                <a:cs typeface="Merriweather Light"/>
-                <a:sym typeface="Merriweather Light"/>
-              </a:rPr>
-              <a:t>Needs to keep track of inventory</a:t>
+              <a:rPr lang="en"/>
+              <a:t>Database is created</a:t>
             </a:r>
-            <a:endParaRPr>
-              <a:latin typeface="Merriweather Light"/>
-              <a:ea typeface="Merriweather Light"/>
-              <a:cs typeface="Merriweather Light"/>
-              <a:sym typeface="Merriweather Light"/>
-            </a:endParaRPr>
+            <a:endParaRPr/>
           </a:p>
           <a:p>
             <a:pPr indent="-342900" lvl="0" marL="457200" rtl="0" algn="l">
-              <a:lnSpc>
-                <a:spcPct val="150000"/>
-              </a:lnSpc>
               <a:spcBef>
                 <a:spcPts val="0"/>
               </a:spcBef>
@@ -7915,30 +8208,16 @@
                 <a:spcPts val="0"/>
               </a:spcAft>
               <a:buSzPts val="1800"/>
-              <a:buFont typeface="Merriweather Light"/>
               <a:buChar char="●"/>
             </a:pPr>
             <a:r>
-              <a:rPr lang="en">
-                <a:latin typeface="Merriweather Light"/>
-                <a:ea typeface="Merriweather Light"/>
-                <a:cs typeface="Merriweather Light"/>
-                <a:sym typeface="Merriweather Light"/>
-              </a:rPr>
-              <a:t>New page for the actual store </a:t>
+              <a:rPr lang="en"/>
+              <a:t>Ran out of time working on it</a:t>
             </a:r>
-            <a:endParaRPr>
-              <a:latin typeface="Merriweather Light"/>
-              <a:ea typeface="Merriweather Light"/>
-              <a:cs typeface="Merriweather Light"/>
-              <a:sym typeface="Merriweather Light"/>
-            </a:endParaRPr>
+            <a:endParaRPr/>
           </a:p>
           <a:p>
             <a:pPr indent="-342900" lvl="0" marL="457200" rtl="0" algn="l">
-              <a:lnSpc>
-                <a:spcPct val="150000"/>
-              </a:lnSpc>
               <a:spcBef>
                 <a:spcPts val="0"/>
               </a:spcBef>
@@ -7946,30 +8225,16 @@
                 <a:spcPts val="0"/>
               </a:spcAft>
               <a:buSzPts val="1800"/>
-              <a:buFont typeface="Merriweather Light"/>
               <a:buChar char="●"/>
             </a:pPr>
             <a:r>
-              <a:rPr lang="en">
-                <a:latin typeface="Merriweather Light"/>
-                <a:ea typeface="Merriweather Light"/>
-                <a:cs typeface="Merriweather Light"/>
-                <a:sym typeface="Merriweather Light"/>
-              </a:rPr>
+              <a:rPr lang="en"/>
               <a:t>Plan for completion</a:t>
             </a:r>
-            <a:endParaRPr>
-              <a:latin typeface="Merriweather Light"/>
-              <a:ea typeface="Merriweather Light"/>
-              <a:cs typeface="Merriweather Light"/>
-              <a:sym typeface="Merriweather Light"/>
-            </a:endParaRPr>
+            <a:endParaRPr/>
           </a:p>
           <a:p>
             <a:pPr indent="-317500" lvl="1" marL="914400" rtl="0" algn="l">
-              <a:lnSpc>
-                <a:spcPct val="150000"/>
-              </a:lnSpc>
               <a:spcBef>
                 <a:spcPts val="0"/>
               </a:spcBef>
@@ -7977,30 +8242,16 @@
                 <a:spcPts val="0"/>
               </a:spcAft>
               <a:buSzPts val="1400"/>
-              <a:buFont typeface="Merriweather Light"/>
               <a:buChar char="○"/>
             </a:pPr>
             <a:r>
-              <a:rPr lang="en">
-                <a:latin typeface="Merriweather Light"/>
-                <a:ea typeface="Merriweather Light"/>
-                <a:cs typeface="Merriweather Light"/>
-                <a:sym typeface="Merriweather Light"/>
-              </a:rPr>
-              <a:t>Create the new page for the actual store</a:t>
+              <a:rPr lang="en"/>
+              <a:t>Add in the HTML for the login and register buttons</a:t>
             </a:r>
-            <a:endParaRPr>
-              <a:latin typeface="Merriweather Light"/>
-              <a:ea typeface="Merriweather Light"/>
-              <a:cs typeface="Merriweather Light"/>
-              <a:sym typeface="Merriweather Light"/>
-            </a:endParaRPr>
+            <a:endParaRPr/>
           </a:p>
           <a:p>
             <a:pPr indent="-317500" lvl="1" marL="914400" rtl="0" algn="l">
-              <a:lnSpc>
-                <a:spcPct val="150000"/>
-              </a:lnSpc>
               <a:spcBef>
                 <a:spcPts val="0"/>
               </a:spcBef>
@@ -8008,30 +8259,16 @@
                 <a:spcPts val="0"/>
               </a:spcAft>
               <a:buSzPts val="1400"/>
-              <a:buFont typeface="Merriweather Light"/>
               <a:buChar char="○"/>
             </a:pPr>
             <a:r>
-              <a:rPr lang="en">
-                <a:latin typeface="Merriweather Light"/>
-                <a:ea typeface="Merriweather Light"/>
-                <a:cs typeface="Merriweather Light"/>
-                <a:sym typeface="Merriweather Light"/>
-              </a:rPr>
-              <a:t>Create the subpages for the checkout and shipping forms</a:t>
+              <a:rPr lang="en"/>
+              <a:t>Link the database and the site together</a:t>
             </a:r>
-            <a:endParaRPr>
-              <a:latin typeface="Merriweather Light"/>
-              <a:ea typeface="Merriweather Light"/>
-              <a:cs typeface="Merriweather Light"/>
-              <a:sym typeface="Merriweather Light"/>
-            </a:endParaRPr>
+            <a:endParaRPr/>
           </a:p>
           <a:p>
             <a:pPr indent="-317500" lvl="1" marL="914400" rtl="0" algn="l">
-              <a:lnSpc>
-                <a:spcPct val="150000"/>
-              </a:lnSpc>
               <a:spcBef>
                 <a:spcPts val="0"/>
               </a:spcBef>
@@ -8039,55 +8276,13 @@
                 <a:spcPts val="0"/>
               </a:spcAft>
               <a:buSzPts val="1400"/>
-              <a:buFont typeface="Merriweather Light"/>
               <a:buChar char="○"/>
             </a:pPr>
             <a:r>
-              <a:rPr lang="en">
-                <a:latin typeface="Merriweather Light"/>
-                <a:ea typeface="Merriweather Light"/>
-                <a:cs typeface="Merriweather Light"/>
-                <a:sym typeface="Merriweather Light"/>
-              </a:rPr>
-              <a:t>Database for inventory</a:t>
+              <a:rPr lang="en"/>
+              <a:t>Time to completion: 3-5 days</a:t>
             </a:r>
-            <a:endParaRPr>
-              <a:latin typeface="Merriweather Light"/>
-              <a:ea typeface="Merriweather Light"/>
-              <a:cs typeface="Merriweather Light"/>
-              <a:sym typeface="Merriweather Light"/>
-            </a:endParaRPr>
-          </a:p>
-          <a:p>
-            <a:pPr indent="-317500" lvl="1" marL="914400" rtl="0" algn="l">
-              <a:lnSpc>
-                <a:spcPct val="150000"/>
-              </a:lnSpc>
-              <a:spcBef>
-                <a:spcPts val="0"/>
-              </a:spcBef>
-              <a:spcAft>
-                <a:spcPts val="0"/>
-              </a:spcAft>
-              <a:buSzPts val="1400"/>
-              <a:buFont typeface="Merriweather Light"/>
-              <a:buChar char="○"/>
-            </a:pPr>
-            <a:r>
-              <a:rPr lang="en">
-                <a:latin typeface="Merriweather Light"/>
-                <a:ea typeface="Merriweather Light"/>
-                <a:cs typeface="Merriweather Light"/>
-                <a:sym typeface="Merriweather Light"/>
-              </a:rPr>
-              <a:t>Time to completion: 3-5 weeks</a:t>
-            </a:r>
-            <a:endParaRPr>
-              <a:latin typeface="Merriweather Light"/>
-              <a:ea typeface="Merriweather Light"/>
-              <a:cs typeface="Merriweather Light"/>
-              <a:sym typeface="Merriweather Light"/>
-            </a:endParaRPr>
+            <a:endParaRPr/>
           </a:p>
         </p:txBody>
       </p:sp>
@@ -8155,7 +8350,7 @@
                 <a:cs typeface="Merriweather"/>
                 <a:sym typeface="Merriweather"/>
               </a:rPr>
-              <a:t>Challenges</a:t>
+              <a:t>Store/Shopping Cart</a:t>
             </a:r>
             <a:endParaRPr>
               <a:latin typeface="Merriweather"/>
@@ -8191,7 +8386,7 @@
           <a:p>
             <a:pPr indent="-342900" lvl="0" marL="457200" rtl="0" algn="l">
               <a:lnSpc>
-                <a:spcPct val="175000"/>
+                <a:spcPct val="150000"/>
               </a:lnSpc>
               <a:spcBef>
                 <a:spcPts val="0"/>
@@ -8210,7 +8405,100 @@
                 <a:cs typeface="Merriweather Light"/>
                 <a:sym typeface="Merriweather Light"/>
               </a:rPr>
-              <a:t>Finding a hosting platform</a:t>
+              <a:t>Needs a checkout form/way to take payment</a:t>
+            </a:r>
+            <a:endParaRPr>
+              <a:latin typeface="Merriweather Light"/>
+              <a:ea typeface="Merriweather Light"/>
+              <a:cs typeface="Merriweather Light"/>
+              <a:sym typeface="Merriweather Light"/>
+            </a:endParaRPr>
+          </a:p>
+          <a:p>
+            <a:pPr indent="-342900" lvl="0" marL="457200" rtl="0" algn="l">
+              <a:lnSpc>
+                <a:spcPct val="150000"/>
+              </a:lnSpc>
+              <a:spcBef>
+                <a:spcPts val="0"/>
+              </a:spcBef>
+              <a:spcAft>
+                <a:spcPts val="0"/>
+              </a:spcAft>
+              <a:buSzPts val="1800"/>
+              <a:buFont typeface="Merriweather Light"/>
+              <a:buChar char="●"/>
+            </a:pPr>
+            <a:r>
+              <a:rPr lang="en">
+                <a:latin typeface="Merriweather Light"/>
+                <a:ea typeface="Merriweather Light"/>
+                <a:cs typeface="Merriweather Light"/>
+                <a:sym typeface="Merriweather Light"/>
+              </a:rPr>
+              <a:t>Needs to keep track of inventory</a:t>
+            </a:r>
+            <a:endParaRPr>
+              <a:latin typeface="Merriweather Light"/>
+              <a:ea typeface="Merriweather Light"/>
+              <a:cs typeface="Merriweather Light"/>
+              <a:sym typeface="Merriweather Light"/>
+            </a:endParaRPr>
+          </a:p>
+          <a:p>
+            <a:pPr indent="-342900" lvl="0" marL="457200" rtl="0" algn="l">
+              <a:lnSpc>
+                <a:spcPct val="150000"/>
+              </a:lnSpc>
+              <a:spcBef>
+                <a:spcPts val="0"/>
+              </a:spcBef>
+              <a:spcAft>
+                <a:spcPts val="0"/>
+              </a:spcAft>
+              <a:buSzPts val="1800"/>
+              <a:buFont typeface="Merriweather Light"/>
+              <a:buChar char="●"/>
+            </a:pPr>
+            <a:r>
+              <a:rPr lang="en">
+                <a:latin typeface="Merriweather Light"/>
+                <a:ea typeface="Merriweather Light"/>
+                <a:cs typeface="Merriweather Light"/>
+                <a:sym typeface="Merriweather Light"/>
+              </a:rPr>
+              <a:t>New page for the actual store </a:t>
+            </a:r>
+            <a:endParaRPr>
+              <a:latin typeface="Merriweather Light"/>
+              <a:ea typeface="Merriweather Light"/>
+              <a:cs typeface="Merriweather Light"/>
+              <a:sym typeface="Merriweather Light"/>
+            </a:endParaRPr>
+          </a:p>
+          <a:p>
+            <a:pPr indent="-342900" lvl="0" marL="457200" rtl="0" algn="l">
+              <a:lnSpc>
+                <a:spcPct val="150000"/>
+              </a:lnSpc>
+              <a:spcBef>
+                <a:spcPts val="0"/>
+              </a:spcBef>
+              <a:spcAft>
+                <a:spcPts val="0"/>
+              </a:spcAft>
+              <a:buSzPts val="1800"/>
+              <a:buFont typeface="Merriweather Light"/>
+              <a:buChar char="●"/>
+            </a:pPr>
+            <a:r>
+              <a:rPr lang="en">
+                <a:latin typeface="Merriweather Light"/>
+                <a:ea typeface="Merriweather Light"/>
+                <a:cs typeface="Merriweather Light"/>
+                <a:sym typeface="Merriweather Light"/>
+              </a:rPr>
+              <a:t>Plan for completion</a:t>
             </a:r>
             <a:endParaRPr>
               <a:latin typeface="Merriweather Light"/>
@@ -8222,7 +8510,7 @@
           <a:p>
             <a:pPr indent="-317500" lvl="1" marL="914400" rtl="0" algn="l">
               <a:lnSpc>
-                <a:spcPct val="175000"/>
+                <a:spcPct val="150000"/>
               </a:lnSpc>
               <a:spcBef>
                 <a:spcPts val="0"/>
@@ -8241,7 +8529,7 @@
                 <a:cs typeface="Merriweather Light"/>
                 <a:sym typeface="Merriweather Light"/>
               </a:rPr>
-              <a:t>Couldn’t get Heroku to work</a:t>
+              <a:t>Create the new page for the actual store</a:t>
             </a:r>
             <a:endParaRPr>
               <a:latin typeface="Merriweather Light"/>
@@ -8253,7 +8541,7 @@
           <a:p>
             <a:pPr indent="-317500" lvl="1" marL="914400" rtl="0" algn="l">
               <a:lnSpc>
-                <a:spcPct val="175000"/>
+                <a:spcPct val="150000"/>
               </a:lnSpc>
               <a:spcBef>
                 <a:spcPts val="0"/>
@@ -8272,69 +8560,7 @@
                 <a:cs typeface="Merriweather Light"/>
                 <a:sym typeface="Merriweather Light"/>
               </a:rPr>
-              <a:t>000WebHost cannot connect to GitHub on the free version</a:t>
-            </a:r>
-            <a:endParaRPr>
-              <a:latin typeface="Merriweather Light"/>
-              <a:ea typeface="Merriweather Light"/>
-              <a:cs typeface="Merriweather Light"/>
-              <a:sym typeface="Merriweather Light"/>
-            </a:endParaRPr>
-          </a:p>
-          <a:p>
-            <a:pPr indent="-342900" lvl="0" marL="457200" rtl="0" algn="l">
-              <a:lnSpc>
-                <a:spcPct val="175000"/>
-              </a:lnSpc>
-              <a:spcBef>
-                <a:spcPts val="0"/>
-              </a:spcBef>
-              <a:spcAft>
-                <a:spcPts val="0"/>
-              </a:spcAft>
-              <a:buSzPts val="1800"/>
-              <a:buFont typeface="Merriweather Light"/>
-              <a:buChar char="●"/>
-            </a:pPr>
-            <a:r>
-              <a:rPr lang="en">
-                <a:latin typeface="Merriweather Light"/>
-                <a:ea typeface="Merriweather Light"/>
-                <a:cs typeface="Merriweather Light"/>
-                <a:sym typeface="Merriweather Light"/>
-              </a:rPr>
-              <a:t>Finding time between other class work/projects</a:t>
-            </a:r>
-            <a:endParaRPr>
-              <a:latin typeface="Merriweather Light"/>
-              <a:ea typeface="Merriweather Light"/>
-              <a:cs typeface="Merriweather Light"/>
-              <a:sym typeface="Merriweather Light"/>
-            </a:endParaRPr>
-          </a:p>
-          <a:p>
-            <a:pPr indent="-342900" lvl="0" marL="457200" rtl="0" algn="l">
-              <a:lnSpc>
-                <a:spcPct val="175000"/>
-              </a:lnSpc>
-              <a:spcBef>
-                <a:spcPts val="0"/>
-              </a:spcBef>
-              <a:spcAft>
-                <a:spcPts val="0"/>
-              </a:spcAft>
-              <a:buSzPts val="1800"/>
-              <a:buFont typeface="Merriweather Light"/>
-              <a:buChar char="●"/>
-            </a:pPr>
-            <a:r>
-              <a:rPr lang="en">
-                <a:latin typeface="Merriweather Light"/>
-                <a:ea typeface="Merriweather Light"/>
-                <a:cs typeface="Merriweather Light"/>
-                <a:sym typeface="Merriweather Light"/>
-              </a:rPr>
-              <a:t>Overall learning curve</a:t>
+              <a:t>Create the subpages for the checkout and shipping forms</a:t>
             </a:r>
             <a:endParaRPr>
               <a:latin typeface="Merriweather Light"/>
@@ -8346,7 +8572,7 @@
           <a:p>
             <a:pPr indent="-317500" lvl="1" marL="914400" rtl="0" algn="l">
               <a:lnSpc>
-                <a:spcPct val="175000"/>
+                <a:spcPct val="150000"/>
               </a:lnSpc>
               <a:spcBef>
                 <a:spcPts val="0"/>
@@ -8365,7 +8591,38 @@
                 <a:cs typeface="Merriweather Light"/>
                 <a:sym typeface="Merriweather Light"/>
               </a:rPr>
-              <a:t>No prior experience in HTML, CSS, or PHP</a:t>
+              <a:t>Database for inventory</a:t>
+            </a:r>
+            <a:endParaRPr>
+              <a:latin typeface="Merriweather Light"/>
+              <a:ea typeface="Merriweather Light"/>
+              <a:cs typeface="Merriweather Light"/>
+              <a:sym typeface="Merriweather Light"/>
+            </a:endParaRPr>
+          </a:p>
+          <a:p>
+            <a:pPr indent="-317500" lvl="1" marL="914400" rtl="0" algn="l">
+              <a:lnSpc>
+                <a:spcPct val="150000"/>
+              </a:lnSpc>
+              <a:spcBef>
+                <a:spcPts val="0"/>
+              </a:spcBef>
+              <a:spcAft>
+                <a:spcPts val="0"/>
+              </a:spcAft>
+              <a:buSzPts val="1400"/>
+              <a:buFont typeface="Merriweather Light"/>
+              <a:buChar char="○"/>
+            </a:pPr>
+            <a:r>
+              <a:rPr lang="en">
+                <a:latin typeface="Merriweather Light"/>
+                <a:ea typeface="Merriweather Light"/>
+                <a:cs typeface="Merriweather Light"/>
+                <a:sym typeface="Merriweather Light"/>
+              </a:rPr>
+              <a:t>Time to completion: 3-5 weeks</a:t>
             </a:r>
             <a:endParaRPr>
               <a:latin typeface="Merriweather Light"/>
@@ -8411,20 +8668,20 @@
         </p:nvSpPr>
         <p:spPr>
           <a:xfrm>
-            <a:off x="311700" y="2150850"/>
-            <a:ext cx="8520600" cy="841800"/>
+            <a:off x="311700" y="445025"/>
+            <a:ext cx="8520600" cy="572700"/>
           </a:xfrm>
           <a:prstGeom prst="rect">
             <a:avLst/>
           </a:prstGeom>
         </p:spPr>
         <p:txBody>
-          <a:bodyPr anchorCtr="0" anchor="ctr" bIns="91425" lIns="91425" spcFirstLastPara="1" rIns="91425" wrap="square" tIns="91425">
+          <a:bodyPr anchorCtr="0" anchor="t" bIns="91425" lIns="91425" spcFirstLastPara="1" rIns="91425" wrap="square" tIns="91425">
             <a:noAutofit/>
           </a:bodyPr>
           <a:lstStyle/>
           <a:p>
-            <a:pPr indent="0" lvl="0" marL="0" rtl="0" algn="ctr">
+            <a:pPr indent="0" lvl="0" marL="0" rtl="0" algn="l">
               <a:spcBef>
                 <a:spcPts val="0"/>
               </a:spcBef>
@@ -8434,43 +8691,229 @@
               <a:buNone/>
             </a:pPr>
             <a:r>
-              <a:rPr lang="en" sz="2700" u="sng">
-                <a:solidFill>
-                  <a:schemeClr val="hlink"/>
-                </a:solidFill>
+              <a:rPr lang="en">
                 <a:latin typeface="Merriweather"/>
                 <a:ea typeface="Merriweather"/>
                 <a:cs typeface="Merriweather"/>
                 <a:sym typeface="Merriweather"/>
-                <a:hlinkClick r:id="rId3"/>
               </a:rPr>
-              <a:t>https://dippowdernails101.000webhostapp.com/</a:t>
+              <a:t>Challenges</a:t>
             </a:r>
-            <a:endParaRPr sz="2700">
+            <a:endParaRPr>
               <a:latin typeface="Merriweather"/>
               <a:ea typeface="Merriweather"/>
               <a:cs typeface="Merriweather"/>
               <a:sym typeface="Merriweather"/>
             </a:endParaRPr>
           </a:p>
+        </p:txBody>
+      </p:sp>
+      <p:sp>
+        <p:nvSpPr>
+          <p:cNvPr id="104" name="Google Shape;104;p21"/>
+          <p:cNvSpPr txBox="1"/>
+          <p:nvPr>
+            <p:ph idx="1" type="body"/>
+          </p:nvPr>
+        </p:nvSpPr>
+        <p:spPr>
+          <a:xfrm>
+            <a:off x="311700" y="1152475"/>
+            <a:ext cx="8520600" cy="3416400"/>
+          </a:xfrm>
+          <a:prstGeom prst="rect">
+            <a:avLst/>
+          </a:prstGeom>
+        </p:spPr>
+        <p:txBody>
+          <a:bodyPr anchorCtr="0" anchor="t" bIns="91425" lIns="91425" spcFirstLastPara="1" rIns="91425" wrap="square" tIns="91425">
+            <a:noAutofit/>
+          </a:bodyPr>
+          <a:lstStyle/>
           <a:p>
-            <a:pPr indent="0" lvl="0" marL="0" rtl="0" algn="ctr">
-              <a:spcBef>
-                <a:spcPts val="0"/>
-              </a:spcBef>
-              <a:spcAft>
-                <a:spcPts val="0"/>
-              </a:spcAft>
-              <a:buNone/>
+            <a:pPr indent="-342900" lvl="0" marL="457200" rtl="0" algn="l">
+              <a:lnSpc>
+                <a:spcPct val="175000"/>
+              </a:lnSpc>
+              <a:spcBef>
+                <a:spcPts val="0"/>
+              </a:spcBef>
+              <a:spcAft>
+                <a:spcPts val="0"/>
+              </a:spcAft>
+              <a:buSzPts val="1800"/>
+              <a:buFont typeface="Merriweather Light"/>
+              <a:buChar char="●"/>
             </a:pPr>
             <a:r>
-              <a:t/>
+              <a:rPr lang="en">
+                <a:latin typeface="Merriweather Light"/>
+                <a:ea typeface="Merriweather Light"/>
+                <a:cs typeface="Merriweather Light"/>
+                <a:sym typeface="Merriweather Light"/>
+              </a:rPr>
+              <a:t>Finding a hosting platform</a:t>
             </a:r>
-            <a:endParaRPr sz="2700">
-              <a:latin typeface="Merriweather"/>
-              <a:ea typeface="Merriweather"/>
-              <a:cs typeface="Merriweather"/>
-              <a:sym typeface="Merriweather"/>
+            <a:endParaRPr>
+              <a:latin typeface="Merriweather Light"/>
+              <a:ea typeface="Merriweather Light"/>
+              <a:cs typeface="Merriweather Light"/>
+              <a:sym typeface="Merriweather Light"/>
+            </a:endParaRPr>
+          </a:p>
+          <a:p>
+            <a:pPr indent="-317500" lvl="1" marL="914400" rtl="0" algn="l">
+              <a:lnSpc>
+                <a:spcPct val="175000"/>
+              </a:lnSpc>
+              <a:spcBef>
+                <a:spcPts val="0"/>
+              </a:spcBef>
+              <a:spcAft>
+                <a:spcPts val="0"/>
+              </a:spcAft>
+              <a:buSzPts val="1400"/>
+              <a:buFont typeface="Merriweather Light"/>
+              <a:buChar char="○"/>
+            </a:pPr>
+            <a:r>
+              <a:rPr lang="en">
+                <a:latin typeface="Merriweather Light"/>
+                <a:ea typeface="Merriweather Light"/>
+                <a:cs typeface="Merriweather Light"/>
+                <a:sym typeface="Merriweather Light"/>
+              </a:rPr>
+              <a:t>Couldn’t get Heroku to work</a:t>
+            </a:r>
+            <a:endParaRPr>
+              <a:latin typeface="Merriweather Light"/>
+              <a:ea typeface="Merriweather Light"/>
+              <a:cs typeface="Merriweather Light"/>
+              <a:sym typeface="Merriweather Light"/>
+            </a:endParaRPr>
+          </a:p>
+          <a:p>
+            <a:pPr indent="-317500" lvl="1" marL="914400" rtl="0" algn="l">
+              <a:lnSpc>
+                <a:spcPct val="175000"/>
+              </a:lnSpc>
+              <a:spcBef>
+                <a:spcPts val="0"/>
+              </a:spcBef>
+              <a:spcAft>
+                <a:spcPts val="0"/>
+              </a:spcAft>
+              <a:buSzPts val="1400"/>
+              <a:buFont typeface="Merriweather Light"/>
+              <a:buChar char="○"/>
+            </a:pPr>
+            <a:r>
+              <a:rPr lang="en">
+                <a:latin typeface="Merriweather Light"/>
+                <a:ea typeface="Merriweather Light"/>
+                <a:cs typeface="Merriweather Light"/>
+                <a:sym typeface="Merriweather Light"/>
+              </a:rPr>
+              <a:t>000WebHost cannot connect to GitHub on the free version</a:t>
+            </a:r>
+            <a:endParaRPr>
+              <a:latin typeface="Merriweather Light"/>
+              <a:ea typeface="Merriweather Light"/>
+              <a:cs typeface="Merriweather Light"/>
+              <a:sym typeface="Merriweather Light"/>
+            </a:endParaRPr>
+          </a:p>
+          <a:p>
+            <a:pPr indent="-342900" lvl="0" marL="457200" rtl="0" algn="l">
+              <a:lnSpc>
+                <a:spcPct val="175000"/>
+              </a:lnSpc>
+              <a:spcBef>
+                <a:spcPts val="0"/>
+              </a:spcBef>
+              <a:spcAft>
+                <a:spcPts val="0"/>
+              </a:spcAft>
+              <a:buSzPts val="1800"/>
+              <a:buFont typeface="Merriweather Light"/>
+              <a:buChar char="●"/>
+            </a:pPr>
+            <a:r>
+              <a:rPr lang="en">
+                <a:latin typeface="Merriweather Light"/>
+                <a:ea typeface="Merriweather Light"/>
+                <a:cs typeface="Merriweather Light"/>
+                <a:sym typeface="Merriweather Light"/>
+              </a:rPr>
+              <a:t>Finding time between other class work/projects</a:t>
+            </a:r>
+            <a:endParaRPr>
+              <a:latin typeface="Merriweather Light"/>
+              <a:ea typeface="Merriweather Light"/>
+              <a:cs typeface="Merriweather Light"/>
+              <a:sym typeface="Merriweather Light"/>
+            </a:endParaRPr>
+          </a:p>
+          <a:p>
+            <a:pPr indent="-342900" lvl="0" marL="457200" rtl="0" algn="l">
+              <a:lnSpc>
+                <a:spcPct val="175000"/>
+              </a:lnSpc>
+              <a:spcBef>
+                <a:spcPts val="0"/>
+              </a:spcBef>
+              <a:spcAft>
+                <a:spcPts val="0"/>
+              </a:spcAft>
+              <a:buSzPts val="1800"/>
+              <a:buFont typeface="Merriweather Light"/>
+              <a:buChar char="●"/>
+            </a:pPr>
+            <a:r>
+              <a:rPr lang="en">
+                <a:latin typeface="Merriweather Light"/>
+                <a:ea typeface="Merriweather Light"/>
+                <a:cs typeface="Merriweather Light"/>
+                <a:sym typeface="Merriweather Light"/>
+              </a:rPr>
+              <a:t>Overall learning curve</a:t>
+            </a:r>
+            <a:endParaRPr>
+              <a:latin typeface="Merriweather Light"/>
+              <a:ea typeface="Merriweather Light"/>
+              <a:cs typeface="Merriweather Light"/>
+              <a:sym typeface="Merriweather Light"/>
+            </a:endParaRPr>
+          </a:p>
+          <a:p>
+            <a:pPr indent="-317500" lvl="1" marL="914400" rtl="0" algn="l">
+              <a:lnSpc>
+                <a:spcPct val="175000"/>
+              </a:lnSpc>
+              <a:spcBef>
+                <a:spcPts val="0"/>
+              </a:spcBef>
+              <a:spcAft>
+                <a:spcPts val="0"/>
+              </a:spcAft>
+              <a:buSzPts val="1400"/>
+              <a:buFont typeface="Merriweather Light"/>
+              <a:buChar char="○"/>
+            </a:pPr>
+            <a:r>
+              <a:rPr lang="en">
+                <a:latin typeface="Merriweather Light"/>
+                <a:ea typeface="Merriweather Light"/>
+                <a:cs typeface="Merriweather Light"/>
+                <a:sym typeface="Merriweather Light"/>
+              </a:rPr>
+              <a:t>No prior experience in HTML, CSS, or PHP</a:t>
+            </a:r>
+            <a:endParaRPr>
+              <a:latin typeface="Merriweather Light"/>
+              <a:ea typeface="Merriweather Light"/>
+              <a:cs typeface="Merriweather Light"/>
+              <a:sym typeface="Merriweather Light"/>
             </a:endParaRPr>
           </a:p>
         </p:txBody>
@@ -8484,6 +8927,285 @@
 </file>
 
 <file path=ppt/theme/theme1.xml><?xml version="1.0" encoding="utf-8"?>
+<a:theme xmlns:a="http://schemas.openxmlformats.org/drawingml/2006/main" xmlns:r="http://schemas.openxmlformats.org/officeDocument/2006/relationships">
+  <a:themeElements>
+    <a:clrScheme name="Default">
+      <a:dk1>
+        <a:srgbClr val="000000"/>
+      </a:dk1>
+      <a:lt1>
+        <a:srgbClr val="FFFFFF"/>
+      </a:lt1>
+      <a:dk2>
+        <a:srgbClr val="158158"/>
+      </a:dk2>
+      <a:lt2>
+        <a:srgbClr val="F3F3F3"/>
+      </a:lt2>
+      <a:accent1>
+        <a:srgbClr val="058DC7"/>
+      </a:accent1>
+      <a:accent2>
+        <a:srgbClr val="50B432"/>
+      </a:accent2>
+      <a:accent3>
+        <a:srgbClr val="ED561B"/>
+      </a:accent3>
+      <a:accent4>
+        <a:srgbClr val="EDEF00"/>
+      </a:accent4>
+      <a:accent5>
+        <a:srgbClr val="24CBE5"/>
+      </a:accent5>
+      <a:accent6>
+        <a:srgbClr val="64E572"/>
+      </a:accent6>
+      <a:hlink>
+        <a:srgbClr val="2200CC"/>
+      </a:hlink>
+      <a:folHlink>
+        <a:srgbClr val="551A8B"/>
+      </a:folHlink>
+    </a:clrScheme>
+    <a:fontScheme name="Office">
+      <a:majorFont>
+        <a:latin typeface="Arial"/>
+        <a:ea typeface=""/>
+        <a:cs typeface=""/>
+        <a:font script="Jpan" typeface="ＭＳ Ｐゴシック"/>
+        <a:font script="Hang" typeface="맑은 고딕"/>
+        <a:font script="Hans" typeface="宋体"/>
+        <a:font script="Hant" typeface="新細明體"/>
+        <a:font script="Arab" typeface="Times New Roman"/>
+        <a:font script="Hebr" typeface="Times New Roman"/>
+        <a:font script="Thai" typeface="Angsana New"/>
+        <a:font script="Ethi" typeface="Nyala"/>
+        <a:font script="Beng" typeface="Vrinda"/>
+        <a:font script="Gujr" typeface="Shruti"/>
+        <a:font script="Khmr" typeface="MoolBoran"/>
+        <a:font script="Knda" typeface="Tunga"/>
+        <a:font script="Guru" typeface="Raavi"/>
+        <a:font script="Cans" typeface="Euphemia"/>
+        <a:font script="Cher" typeface="Plantagenet Cherokee"/>
+        <a:font script="Yiii" typeface="Microsoft Yi Baiti"/>
+        <a:font script="Tibt" typeface="Microsoft Himalaya"/>
+        <a:font script="Thaa" typeface="MV Boli"/>
+        <a:font script="Deva" typeface="Mangal"/>
+        <a:font script="Telu" typeface="Gautami"/>
+        <a:font script="Taml" typeface="Latha"/>
+        <a:font script="Syrc" typeface="Estrangelo Edessa"/>
+        <a:font script="Orya" typeface="Kalinga"/>
+        <a:font script="Mlym" typeface="Kartika"/>
+        <a:font script="Laoo" typeface="DokChampa"/>
+        <a:font script="Sinh" typeface="Iskoola Pota"/>
+        <a:font script="Mong" typeface="Mongolian Baiti"/>
+        <a:font script="Viet" typeface="Times New Roman"/>
+        <a:font script="Uigh" typeface="Microsoft Uighur"/>
+        <a:font script="Geor" typeface="Sylfaen"/>
+      </a:majorFont>
+      <a:minorFont>
+        <a:latin typeface="Arial"/>
+        <a:ea typeface=""/>
+        <a:cs typeface=""/>
+        <a:font script="Jpan" typeface="ＭＳ Ｐゴシック"/>
+        <a:font script="Hang" typeface="맑은 고딕"/>
+        <a:font script="Hans" typeface="宋体"/>
+        <a:font script="Hant" typeface="新細明體"/>
+        <a:font script="Arab" typeface="Arial"/>
+        <a:font script="Hebr" typeface="Arial"/>
+        <a:font script="Thai" typeface="Cordia New"/>
+        <a:font script="Ethi" typeface="Nyala"/>
+        <a:font script="Beng" typeface="Vrinda"/>
+        <a:font script="Gujr" typeface="Shruti"/>
+        <a:font script="Khmr" typeface="DaunPenh"/>
+        <a:font script="Knda" typeface="Tunga"/>
+        <a:font script="Guru" typeface="Raavi"/>
+        <a:font script="Cans" typeface="Euphemia"/>
+        <a:font script="Cher" typeface="Plantagenet Cherokee"/>
+        <a:font script="Yiii" typeface="Microsoft Yi Baiti"/>
+        <a:font script="Tibt" typeface="Microsoft Himalaya"/>
+        <a:font script="Thaa" typeface="MV Boli"/>
+        <a:font script="Deva" typeface="Mangal"/>
+        <a:font script="Telu" typeface="Gautami"/>
+        <a:font script="Taml" typeface="Latha"/>
+        <a:font script="Syrc" typeface="Estrangelo Edessa"/>
+        <a:font script="Orya" typeface="Kalinga"/>
+        <a:font script="Mlym" typeface="Kartika"/>
+        <a:font script="Laoo" typeface="DokChampa"/>
+        <a:font script="Sinh" typeface="Iskoola Pota"/>
+        <a:font script="Mong" typeface="Mongolian Baiti"/>
+        <a:font script="Viet" typeface="Arial"/>
+        <a:font script="Uigh" typeface="Microsoft Uighur"/>
+        <a:font script="Geor" typeface="Sylfaen"/>
+      </a:minorFont>
+    </a:fontScheme>
+    <a:fmtScheme name="Office">
+      <a:fillStyleLst>
+        <a:solidFill>
+          <a:schemeClr val="phClr"/>
+        </a:solidFill>
+        <a:gradFill rotWithShape="1">
+          <a:gsLst>
+            <a:gs pos="0">
+              <a:schemeClr val="phClr">
+                <a:tint val="50000"/>
+                <a:satMod val="300000"/>
+              </a:schemeClr>
+            </a:gs>
+            <a:gs pos="35000">
+              <a:schemeClr val="phClr">
+                <a:tint val="37000"/>
+                <a:satMod val="300000"/>
+              </a:schemeClr>
+            </a:gs>
+            <a:gs pos="100000">
+              <a:schemeClr val="phClr">
+                <a:tint val="15000"/>
+                <a:satMod val="350000"/>
+              </a:schemeClr>
+            </a:gs>
+          </a:gsLst>
+          <a:lin ang="16200000" scaled="1"/>
+        </a:gradFill>
+        <a:gradFill rotWithShape="1">
+          <a:gsLst>
+            <a:gs pos="0">
+              <a:schemeClr val="phClr">
+                <a:tint val="100000"/>
+                <a:shade val="100000"/>
+                <a:satMod val="130000"/>
+              </a:schemeClr>
+            </a:gs>
+            <a:gs pos="100000">
+              <a:schemeClr val="phClr">
+                <a:tint val="50000"/>
+                <a:shade val="100000"/>
+                <a:satMod val="350000"/>
+              </a:schemeClr>
+            </a:gs>
+          </a:gsLst>
+          <a:lin ang="16200000" scaled="0"/>
+        </a:gradFill>
+      </a:fillStyleLst>
+      <a:lnStyleLst>
+        <a:ln w="9525" cap="flat" cmpd="sng" algn="ctr">
+          <a:solidFill>
+            <a:schemeClr val="phClr">
+              <a:shade val="95000"/>
+              <a:satMod val="105000"/>
+            </a:schemeClr>
+          </a:solidFill>
+          <a:prstDash val="solid"/>
+        </a:ln>
+        <a:ln w="25400" cap="flat" cmpd="sng" algn="ctr">
+          <a:solidFill>
+            <a:schemeClr val="phClr"/>
+          </a:solidFill>
+          <a:prstDash val="solid"/>
+        </a:ln>
+        <a:ln w="38100" cap="flat" cmpd="sng" algn="ctr">
+          <a:solidFill>
+            <a:schemeClr val="phClr"/>
+          </a:solidFill>
+          <a:prstDash val="solid"/>
+        </a:ln>
+      </a:lnStyleLst>
+      <a:effectStyleLst>
+        <a:effectStyle>
+          <a:effectLst>
+            <a:outerShdw blurRad="40000" dist="20000" dir="5400000" rotWithShape="0">
+              <a:srgbClr val="000000">
+                <a:alpha val="38000"/>
+              </a:srgbClr>
+            </a:outerShdw>
+          </a:effectLst>
+        </a:effectStyle>
+        <a:effectStyle>
+          <a:effectLst>
+            <a:outerShdw blurRad="40000" dist="23000" dir="5400000" rotWithShape="0">
+              <a:srgbClr val="000000">
+                <a:alpha val="35000"/>
+              </a:srgbClr>
+            </a:outerShdw>
+          </a:effectLst>
+        </a:effectStyle>
+        <a:effectStyle>
+          <a:effectLst>
+            <a:outerShdw blurRad="40000" dist="23000" dir="5400000" rotWithShape="0">
+              <a:srgbClr val="000000">
+                <a:alpha val="35000"/>
+              </a:srgbClr>
+            </a:outerShdw>
+          </a:effectLst>
+          <a:scene3d>
+            <a:camera prst="orthographicFront">
+              <a:rot lat="0" lon="0" rev="0"/>
+            </a:camera>
+            <a:lightRig rig="threePt" dir="t">
+              <a:rot lat="0" lon="0" rev="1200000"/>
+            </a:lightRig>
+          </a:scene3d>
+          <a:sp3d>
+            <a:bevelT w="63500" h="25400"/>
+          </a:sp3d>
+        </a:effectStyle>
+      </a:effectStyleLst>
+      <a:bgFillStyleLst>
+        <a:solidFill>
+          <a:schemeClr val="phClr"/>
+        </a:solidFill>
+        <a:gradFill rotWithShape="1">
+          <a:gsLst>
+            <a:gs pos="0">
+              <a:schemeClr val="phClr">
+                <a:tint val="40000"/>
+                <a:satMod val="350000"/>
+              </a:schemeClr>
+            </a:gs>
+            <a:gs pos="40000">
+              <a:schemeClr val="phClr">
+                <a:tint val="45000"/>
+                <a:shade val="99000"/>
+                <a:satMod val="350000"/>
+              </a:schemeClr>
+            </a:gs>
+            <a:gs pos="100000">
+              <a:schemeClr val="phClr">
+                <a:shade val="20000"/>
+                <a:satMod val="255000"/>
+              </a:schemeClr>
+            </a:gs>
+          </a:gsLst>
+          <a:path path="circle">
+            <a:fillToRect l="50000" t="-80000" r="50000" b="180000"/>
+          </a:path>
+        </a:gradFill>
+        <a:gradFill rotWithShape="1">
+          <a:gsLst>
+            <a:gs pos="0">
+              <a:schemeClr val="phClr">
+                <a:tint val="80000"/>
+                <a:satMod val="300000"/>
+              </a:schemeClr>
+            </a:gs>
+            <a:gs pos="100000">
+              <a:schemeClr val="phClr">
+                <a:shade val="30000"/>
+                <a:satMod val="200000"/>
+              </a:schemeClr>
+            </a:gs>
+          </a:gsLst>
+          <a:path path="circle">
+            <a:fillToRect l="50000" t="50000" r="50000" b="50000"/>
+          </a:path>
+        </a:gradFill>
+      </a:bgFillStyleLst>
+    </a:fmtScheme>
+  </a:themeElements>
+</a:theme>
+</file>
+
+<file path=ppt/theme/theme2.xml><?xml version="1.0" encoding="utf-8"?>
 <a:theme xmlns:a="http://schemas.openxmlformats.org/drawingml/2006/main" xmlns:r="http://schemas.openxmlformats.org/officeDocument/2006/relationships" name="Simple Light">
   <a:themeElements>
     <a:clrScheme name="Simple Light">
@@ -8760,283 +9482,4 @@
     </a:fmtScheme>
   </a:themeElements>
 </a:theme>
-</file>
-
-<file path=ppt/theme/theme2.xml><?xml version="1.0" encoding="utf-8"?>
-<a:theme xmlns:a="http://schemas.openxmlformats.org/drawingml/2006/main" xmlns:r="http://schemas.openxmlformats.org/officeDocument/2006/relationships">
-  <a:themeElements>
-    <a:clrScheme name="Default">
-      <a:dk1>
-        <a:srgbClr val="000000"/>
-      </a:dk1>
-      <a:lt1>
-        <a:srgbClr val="FFFFFF"/>
-      </a:lt1>
-      <a:dk2>
-        <a:srgbClr val="158158"/>
-      </a:dk2>
-      <a:lt2>
-        <a:srgbClr val="F3F3F3"/>
-      </a:lt2>
-      <a:accent1>
-        <a:srgbClr val="058DC7"/>
-      </a:accent1>
-      <a:accent2>
-        <a:srgbClr val="50B432"/>
-      </a:accent2>
-      <a:accent3>
-        <a:srgbClr val="ED561B"/>
-      </a:accent3>
-      <a:accent4>
-        <a:srgbClr val="EDEF00"/>
-      </a:accent4>
-      <a:accent5>
-        <a:srgbClr val="24CBE5"/>
-      </a:accent5>
-      <a:accent6>
-        <a:srgbClr val="64E572"/>
-      </a:accent6>
-      <a:hlink>
-        <a:srgbClr val="2200CC"/>
-      </a:hlink>
-      <a:folHlink>
-        <a:srgbClr val="551A8B"/>
-      </a:folHlink>
-    </a:clrScheme>
-    <a:fontScheme name="Office">
-      <a:majorFont>
-        <a:latin typeface="Arial"/>
-        <a:ea typeface=""/>
-        <a:cs typeface=""/>
-        <a:font script="Jpan" typeface="ＭＳ Ｐゴシック"/>
-        <a:font script="Hang" typeface="맑은 고딕"/>
-        <a:font script="Hans" typeface="宋体"/>
-        <a:font script="Hant" typeface="新細明體"/>
-        <a:font script="Arab" typeface="Times New Roman"/>
-        <a:font script="Hebr" typeface="Times New Roman"/>
-        <a:font script="Thai" typeface="Angsana New"/>
-        <a:font script="Ethi" typeface="Nyala"/>
-        <a:font script="Beng" typeface="Vrinda"/>
-        <a:font script="Gujr" typeface="Shruti"/>
-        <a:font script="Khmr" typeface="MoolBoran"/>
-        <a:font script="Knda" typeface="Tunga"/>
-        <a:font script="Guru" typeface="Raavi"/>
-        <a:font script="Cans" typeface="Euphemia"/>
-        <a:font script="Cher" typeface="Plantagenet Cherokee"/>
-        <a:font script="Yiii" typeface="Microsoft Yi Baiti"/>
-        <a:font script="Tibt" typeface="Microsoft Himalaya"/>
-        <a:font script="Thaa" typeface="MV Boli"/>
-        <a:font script="Deva" typeface="Mangal"/>
-        <a:font script="Telu" typeface="Gautami"/>
-        <a:font script="Taml" typeface="Latha"/>
-        <a:font script="Syrc" typeface="Estrangelo Edessa"/>
-        <a:font script="Orya" typeface="Kalinga"/>
-        <a:font script="Mlym" typeface="Kartika"/>
-        <a:font script="Laoo" typeface="DokChampa"/>
-        <a:font script="Sinh" typeface="Iskoola Pota"/>
-        <a:font script="Mong" typeface="Mongolian Baiti"/>
-        <a:font script="Viet" typeface="Times New Roman"/>
-        <a:font script="Uigh" typeface="Microsoft Uighur"/>
-        <a:font script="Geor" typeface="Sylfaen"/>
-      </a:majorFont>
-      <a:minorFont>
-        <a:latin typeface="Arial"/>
-        <a:ea typeface=""/>
-        <a:cs typeface=""/>
-        <a:font script="Jpan" typeface="ＭＳ Ｐゴシック"/>
-        <a:font script="Hang" typeface="맑은 고딕"/>
-        <a:font script="Hans" typeface="宋体"/>
-        <a:font script="Hant" typeface="新細明體"/>
-        <a:font script="Arab" typeface="Arial"/>
-        <a:font script="Hebr" typeface="Arial"/>
-        <a:font script="Thai" typeface="Cordia New"/>
-        <a:font script="Ethi" typeface="Nyala"/>
-        <a:font script="Beng" typeface="Vrinda"/>
-        <a:font script="Gujr" typeface="Shruti"/>
-        <a:font script="Khmr" typeface="DaunPenh"/>
-        <a:font script="Knda" typeface="Tunga"/>
-        <a:font script="Guru" typeface="Raavi"/>
-        <a:font script="Cans" typeface="Euphemia"/>
-        <a:font script="Cher" typeface="Plantagenet Cherokee"/>
-        <a:font script="Yiii" typeface="Microsoft Yi Baiti"/>
-        <a:font script="Tibt" typeface="Microsoft Himalaya"/>
-        <a:font script="Thaa" typeface="MV Boli"/>
-        <a:font script="Deva" typeface="Mangal"/>
-        <a:font script="Telu" typeface="Gautami"/>
-        <a:font script="Taml" typeface="Latha"/>
-        <a:font script="Syrc" typeface="Estrangelo Edessa"/>
-        <a:font script="Orya" typeface="Kalinga"/>
-        <a:font script="Mlym" typeface="Kartika"/>
-        <a:font script="Laoo" typeface="DokChampa"/>
-        <a:font script="Sinh" typeface="Iskoola Pota"/>
-        <a:font script="Mong" typeface="Mongolian Baiti"/>
-        <a:font script="Viet" typeface="Arial"/>
-        <a:font script="Uigh" typeface="Microsoft Uighur"/>
-        <a:font script="Geor" typeface="Sylfaen"/>
-      </a:minorFont>
-    </a:fontScheme>
-    <a:fmtScheme name="Office">
-      <a:fillStyleLst>
-        <a:solidFill>
-          <a:schemeClr val="phClr"/>
-        </a:solidFill>
-        <a:gradFill rotWithShape="1">
-          <a:gsLst>
-            <a:gs pos="0">
-              <a:schemeClr val="phClr">
-                <a:tint val="50000"/>
-                <a:satMod val="300000"/>
-              </a:schemeClr>
-            </a:gs>
-            <a:gs pos="35000">
-              <a:schemeClr val="phClr">
-                <a:tint val="37000"/>
-                <a:satMod val="300000"/>
-              </a:schemeClr>
-            </a:gs>
-            <a:gs pos="100000">
-              <a:schemeClr val="phClr">
-                <a:tint val="15000"/>
-                <a:satMod val="350000"/>
-              </a:schemeClr>
-            </a:gs>
-          </a:gsLst>
-          <a:lin ang="16200000" scaled="1"/>
-        </a:gradFill>
-        <a:gradFill rotWithShape="1">
-          <a:gsLst>
-            <a:gs pos="0">
-              <a:schemeClr val="phClr">
-                <a:tint val="100000"/>
-                <a:shade val="100000"/>
-                <a:satMod val="130000"/>
-              </a:schemeClr>
-            </a:gs>
-            <a:gs pos="100000">
-              <a:schemeClr val="phClr">
-                <a:tint val="50000"/>
-                <a:shade val="100000"/>
-                <a:satMod val="350000"/>
-              </a:schemeClr>
-            </a:gs>
-          </a:gsLst>
-          <a:lin ang="16200000" scaled="0"/>
-        </a:gradFill>
-      </a:fillStyleLst>
-      <a:lnStyleLst>
-        <a:ln w="9525" cap="flat" cmpd="sng" algn="ctr">
-          <a:solidFill>
-            <a:schemeClr val="phClr">
-              <a:shade val="95000"/>
-              <a:satMod val="105000"/>
-            </a:schemeClr>
-          </a:solidFill>
-          <a:prstDash val="solid"/>
-        </a:ln>
-        <a:ln w="25400" cap="flat" cmpd="sng" algn="ctr">
-          <a:solidFill>
-            <a:schemeClr val="phClr"/>
-          </a:solidFill>
-          <a:prstDash val="solid"/>
-        </a:ln>
-        <a:ln w="38100" cap="flat" cmpd="sng" algn="ctr">
-          <a:solidFill>
-            <a:schemeClr val="phClr"/>
-          </a:solidFill>
-          <a:prstDash val="solid"/>
-        </a:ln>
-      </a:lnStyleLst>
-      <a:effectStyleLst>
-        <a:effectStyle>
-          <a:effectLst>
-            <a:outerShdw blurRad="40000" dist="20000" dir="5400000" rotWithShape="0">
-              <a:srgbClr val="000000">
-                <a:alpha val="38000"/>
-              </a:srgbClr>
-            </a:outerShdw>
-          </a:effectLst>
-        </a:effectStyle>
-        <a:effectStyle>
-          <a:effectLst>
-            <a:outerShdw blurRad="40000" dist="23000" dir="5400000" rotWithShape="0">
-              <a:srgbClr val="000000">
-                <a:alpha val="35000"/>
-              </a:srgbClr>
-            </a:outerShdw>
-          </a:effectLst>
-        </a:effectStyle>
-        <a:effectStyle>
-          <a:effectLst>
-            <a:outerShdw blurRad="40000" dist="23000" dir="5400000" rotWithShape="0">
-              <a:srgbClr val="000000">
-                <a:alpha val="35000"/>
-              </a:srgbClr>
-            </a:outerShdw>
-          </a:effectLst>
-          <a:scene3d>
-            <a:camera prst="orthographicFront">
-              <a:rot lat="0" lon="0" rev="0"/>
-            </a:camera>
-            <a:lightRig rig="threePt" dir="t">
-              <a:rot lat="0" lon="0" rev="1200000"/>
-            </a:lightRig>
-          </a:scene3d>
-          <a:sp3d>
-            <a:bevelT w="63500" h="25400"/>
-          </a:sp3d>
-        </a:effectStyle>
-      </a:effectStyleLst>
-      <a:bgFillStyleLst>
-        <a:solidFill>
-          <a:schemeClr val="phClr"/>
-        </a:solidFill>
-        <a:gradFill rotWithShape="1">
-          <a:gsLst>
-            <a:gs pos="0">
-              <a:schemeClr val="phClr">
-                <a:tint val="40000"/>
-                <a:satMod val="350000"/>
-              </a:schemeClr>
-            </a:gs>
-            <a:gs pos="40000">
-              <a:schemeClr val="phClr">
-                <a:tint val="45000"/>
-                <a:shade val="99000"/>
-                <a:satMod val="350000"/>
-              </a:schemeClr>
-            </a:gs>
-            <a:gs pos="100000">
-              <a:schemeClr val="phClr">
-                <a:shade val="20000"/>
-                <a:satMod val="255000"/>
-              </a:schemeClr>
-            </a:gs>
-          </a:gsLst>
-          <a:path path="circle">
-            <a:fillToRect l="50000" t="-80000" r="50000" b="180000"/>
-          </a:path>
-        </a:gradFill>
-        <a:gradFill rotWithShape="1">
-          <a:gsLst>
-            <a:gs pos="0">
-              <a:schemeClr val="phClr">
-                <a:tint val="80000"/>
-                <a:satMod val="300000"/>
-              </a:schemeClr>
-            </a:gs>
-            <a:gs pos="100000">
-              <a:schemeClr val="phClr">
-                <a:shade val="30000"/>
-                <a:satMod val="200000"/>
-              </a:schemeClr>
-            </a:gs>
-          </a:gsLst>
-          <a:path path="circle">
-            <a:fillToRect l="50000" t="50000" r="50000" b="50000"/>
-          </a:path>
-        </a:gradFill>
-      </a:bgFillStyleLst>
-    </a:fmtScheme>
-  </a:themeElements>
-</a:theme>
 </file>